--- a/Requirements_And_Design/SelectedEventImage.pptx
+++ b/Requirements_And_Design/SelectedEventImage.pptx
@@ -5,7 +5,7 @@
     <p:sldMasterId id="2147483648" r:id="rId1"/>
   </p:sldMasterIdLst>
   <p:notesMasterIdLst>
-    <p:notesMasterId r:id="rId12"/>
+    <p:notesMasterId r:id="rId15"/>
   </p:notesMasterIdLst>
   <p:sldIdLst>
     <p:sldId id="261" r:id="rId2"/>
@@ -16,8 +16,11 @@
     <p:sldId id="257" r:id="rId7"/>
     <p:sldId id="262" r:id="rId8"/>
     <p:sldId id="264" r:id="rId9"/>
-    <p:sldId id="265" r:id="rId10"/>
-    <p:sldId id="263" r:id="rId11"/>
+    <p:sldId id="267" r:id="rId10"/>
+    <p:sldId id="268" r:id="rId11"/>
+    <p:sldId id="266" r:id="rId12"/>
+    <p:sldId id="265" r:id="rId13"/>
+    <p:sldId id="263" r:id="rId14"/>
   </p:sldIdLst>
   <p:sldSz cx="9144000" cy="6858000" type="screen4x3"/>
   <p:notesSz cx="6858000" cy="9144000"/>
@@ -949,7 +952,7 @@
           <a:p>
             <a:fld id="{31276AD4-C39E-4EBA-981E-AA690C3DD537}" type="datetimeFigureOut">
               <a:rPr lang="en-US" smtClean="0"/>
-              <a:t>3/19/2014</a:t>
+              <a:t>3/25/2014</a:t>
             </a:fld>
             <a:endParaRPr lang="en-US"/>
           </a:p>
@@ -1398,7 +1401,7 @@
           <a:p>
             <a:fld id="{E946C74D-DD12-43CA-AB61-CEB9B4EE38E1}" type="datetimeFigureOut">
               <a:rPr lang="en-US" smtClean="0"/>
-              <a:t>3/19/2014</a:t>
+              <a:t>3/25/2014</a:t>
             </a:fld>
             <a:endParaRPr lang="en-US"/>
           </a:p>
@@ -1568,7 +1571,7 @@
           <a:p>
             <a:fld id="{E946C74D-DD12-43CA-AB61-CEB9B4EE38E1}" type="datetimeFigureOut">
               <a:rPr lang="en-US" smtClean="0"/>
-              <a:t>3/19/2014</a:t>
+              <a:t>3/25/2014</a:t>
             </a:fld>
             <a:endParaRPr lang="en-US"/>
           </a:p>
@@ -1748,7 +1751,7 @@
           <a:p>
             <a:fld id="{E946C74D-DD12-43CA-AB61-CEB9B4EE38E1}" type="datetimeFigureOut">
               <a:rPr lang="en-US" smtClean="0"/>
-              <a:t>3/19/2014</a:t>
+              <a:t>3/25/2014</a:t>
             </a:fld>
             <a:endParaRPr lang="en-US"/>
           </a:p>
@@ -1918,7 +1921,7 @@
           <a:p>
             <a:fld id="{E946C74D-DD12-43CA-AB61-CEB9B4EE38E1}" type="datetimeFigureOut">
               <a:rPr lang="en-US" smtClean="0"/>
-              <a:t>3/19/2014</a:t>
+              <a:t>3/25/2014</a:t>
             </a:fld>
             <a:endParaRPr lang="en-US"/>
           </a:p>
@@ -2164,7 +2167,7 @@
           <a:p>
             <a:fld id="{E946C74D-DD12-43CA-AB61-CEB9B4EE38E1}" type="datetimeFigureOut">
               <a:rPr lang="en-US" smtClean="0"/>
-              <a:t>3/19/2014</a:t>
+              <a:t>3/25/2014</a:t>
             </a:fld>
             <a:endParaRPr lang="en-US"/>
           </a:p>
@@ -2452,7 +2455,7 @@
           <a:p>
             <a:fld id="{E946C74D-DD12-43CA-AB61-CEB9B4EE38E1}" type="datetimeFigureOut">
               <a:rPr lang="en-US" smtClean="0"/>
-              <a:t>3/19/2014</a:t>
+              <a:t>3/25/2014</a:t>
             </a:fld>
             <a:endParaRPr lang="en-US"/>
           </a:p>
@@ -2874,7 +2877,7 @@
           <a:p>
             <a:fld id="{E946C74D-DD12-43CA-AB61-CEB9B4EE38E1}" type="datetimeFigureOut">
               <a:rPr lang="en-US" smtClean="0"/>
-              <a:t>3/19/2014</a:t>
+              <a:t>3/25/2014</a:t>
             </a:fld>
             <a:endParaRPr lang="en-US"/>
           </a:p>
@@ -2992,7 +2995,7 @@
           <a:p>
             <a:fld id="{E946C74D-DD12-43CA-AB61-CEB9B4EE38E1}" type="datetimeFigureOut">
               <a:rPr lang="en-US" smtClean="0"/>
-              <a:t>3/19/2014</a:t>
+              <a:t>3/25/2014</a:t>
             </a:fld>
             <a:endParaRPr lang="en-US"/>
           </a:p>
@@ -3087,7 +3090,7 @@
           <a:p>
             <a:fld id="{E946C74D-DD12-43CA-AB61-CEB9B4EE38E1}" type="datetimeFigureOut">
               <a:rPr lang="en-US" smtClean="0"/>
-              <a:t>3/19/2014</a:t>
+              <a:t>3/25/2014</a:t>
             </a:fld>
             <a:endParaRPr lang="en-US"/>
           </a:p>
@@ -3364,7 +3367,7 @@
           <a:p>
             <a:fld id="{E946C74D-DD12-43CA-AB61-CEB9B4EE38E1}" type="datetimeFigureOut">
               <a:rPr lang="en-US" smtClean="0"/>
-              <a:t>3/19/2014</a:t>
+              <a:t>3/25/2014</a:t>
             </a:fld>
             <a:endParaRPr lang="en-US"/>
           </a:p>
@@ -3617,7 +3620,7 @@
           <a:p>
             <a:fld id="{E946C74D-DD12-43CA-AB61-CEB9B4EE38E1}" type="datetimeFigureOut">
               <a:rPr lang="en-US" smtClean="0"/>
-              <a:t>3/19/2014</a:t>
+              <a:t>3/25/2014</a:t>
             </a:fld>
             <a:endParaRPr lang="en-US"/>
           </a:p>
@@ -3830,7 +3833,7 @@
           <a:p>
             <a:fld id="{E946C74D-DD12-43CA-AB61-CEB9B4EE38E1}" type="datetimeFigureOut">
               <a:rPr lang="en-US" smtClean="0"/>
-              <a:t>3/19/2014</a:t>
+              <a:t>3/25/2014</a:t>
             </a:fld>
             <a:endParaRPr lang="en-US"/>
           </a:p>
@@ -9895,6 +9898,1534 @@
       </p:grpSpPr>
       <p:grpSp>
         <p:nvGrpSpPr>
+          <p:cNvPr id="4" name="Group 3"/>
+          <p:cNvGrpSpPr/>
+          <p:nvPr/>
+        </p:nvGrpSpPr>
+        <p:grpSpPr>
+          <a:xfrm>
+            <a:off x="1524000" y="659809"/>
+            <a:ext cx="3124200" cy="4724400"/>
+            <a:chOff x="4191000" y="659809"/>
+            <a:chExt cx="3124200" cy="4724400"/>
+          </a:xfrm>
+        </p:grpSpPr>
+        <p:sp>
+          <p:nvSpPr>
+            <p:cNvPr id="5" name="Rounded Rectangle 4"/>
+            <p:cNvSpPr/>
+            <p:nvPr/>
+          </p:nvSpPr>
+          <p:spPr>
+            <a:xfrm>
+              <a:off x="4191000" y="659809"/>
+              <a:ext cx="3124200" cy="4724400"/>
+            </a:xfrm>
+            <a:prstGeom prst="roundRect">
+              <a:avLst>
+                <a:gd name="adj" fmla="val 0"/>
+              </a:avLst>
+            </a:prstGeom>
+            <a:solidFill>
+              <a:schemeClr val="tx1">
+                <a:lumMod val="85000"/>
+                <a:lumOff val="15000"/>
+              </a:schemeClr>
+            </a:solidFill>
+            <a:ln w="6350">
+              <a:solidFill>
+                <a:schemeClr val="tx1">
+                  <a:lumMod val="50000"/>
+                  <a:lumOff val="50000"/>
+                </a:schemeClr>
+              </a:solidFill>
+            </a:ln>
+          </p:spPr>
+          <p:style>
+            <a:lnRef idx="2">
+              <a:schemeClr val="accent1">
+                <a:shade val="50000"/>
+              </a:schemeClr>
+            </a:lnRef>
+            <a:fillRef idx="1">
+              <a:schemeClr val="accent1"/>
+            </a:fillRef>
+            <a:effectRef idx="0">
+              <a:schemeClr val="accent1"/>
+            </a:effectRef>
+            <a:fontRef idx="minor">
+              <a:schemeClr val="lt1"/>
+            </a:fontRef>
+          </p:style>
+          <p:txBody>
+            <a:bodyPr rtlCol="0" anchor="ctr"/>
+            <a:lstStyle/>
+            <a:p>
+              <a:pPr algn="ctr"/>
+              <a:endParaRPr lang="en-US" dirty="0"/>
+            </a:p>
+          </p:txBody>
+        </p:sp>
+        <p:grpSp>
+          <p:nvGrpSpPr>
+            <p:cNvPr id="6" name="Group 5"/>
+            <p:cNvGrpSpPr/>
+            <p:nvPr/>
+          </p:nvGrpSpPr>
+          <p:grpSpPr>
+            <a:xfrm>
+              <a:off x="4300897" y="780455"/>
+              <a:ext cx="365760" cy="365760"/>
+              <a:chOff x="3065526" y="4495800"/>
+              <a:chExt cx="640080" cy="640080"/>
+            </a:xfrm>
+          </p:grpSpPr>
+          <p:sp>
+            <p:nvSpPr>
+              <p:cNvPr id="12" name="Oval 11"/>
+              <p:cNvSpPr/>
+              <p:nvPr/>
+            </p:nvSpPr>
+            <p:spPr>
+              <a:xfrm>
+                <a:off x="3065526" y="4495800"/>
+                <a:ext cx="640080" cy="640080"/>
+              </a:xfrm>
+              <a:prstGeom prst="ellipse">
+                <a:avLst/>
+              </a:prstGeom>
+              <a:noFill/>
+              <a:ln w="50800">
+                <a:solidFill>
+                  <a:schemeClr val="accent2">
+                    <a:lumMod val="50000"/>
+                  </a:schemeClr>
+                </a:solidFill>
+              </a:ln>
+            </p:spPr>
+            <p:style>
+              <a:lnRef idx="2">
+                <a:schemeClr val="accent1">
+                  <a:shade val="50000"/>
+                </a:schemeClr>
+              </a:lnRef>
+              <a:fillRef idx="1">
+                <a:schemeClr val="accent1"/>
+              </a:fillRef>
+              <a:effectRef idx="0">
+                <a:schemeClr val="accent1"/>
+              </a:effectRef>
+              <a:fontRef idx="minor">
+                <a:schemeClr val="lt1"/>
+              </a:fontRef>
+            </p:style>
+            <p:txBody>
+              <a:bodyPr rtlCol="0" anchor="ctr"/>
+              <a:lstStyle/>
+              <a:p>
+                <a:pPr algn="ctr"/>
+                <a:endParaRPr lang="en-US"/>
+              </a:p>
+            </p:txBody>
+          </p:sp>
+          <p:grpSp>
+            <p:nvGrpSpPr>
+              <p:cNvPr id="13" name="Group 12"/>
+              <p:cNvGrpSpPr/>
+              <p:nvPr/>
+            </p:nvGrpSpPr>
+            <p:grpSpPr>
+              <a:xfrm>
+                <a:off x="3187731" y="4637031"/>
+                <a:ext cx="395669" cy="357617"/>
+                <a:chOff x="3291840" y="838200"/>
+                <a:chExt cx="901524" cy="843738"/>
+              </a:xfrm>
+              <a:effectLst>
+                <a:outerShdw blurRad="50800" dist="38100" dir="5400000" algn="t" rotWithShape="0">
+                  <a:prstClr val="black">
+                    <a:alpha val="40000"/>
+                  </a:prstClr>
+                </a:outerShdw>
+              </a:effectLst>
+            </p:grpSpPr>
+            <p:sp>
+              <p:nvSpPr>
+                <p:cNvPr id="14" name="Rectangle 13"/>
+                <p:cNvSpPr/>
+                <p:nvPr/>
+              </p:nvSpPr>
+              <p:spPr>
+                <a:xfrm>
+                  <a:off x="3291840" y="838200"/>
+                  <a:ext cx="890672" cy="152399"/>
+                </a:xfrm>
+                <a:prstGeom prst="rect">
+                  <a:avLst/>
+                </a:prstGeom>
+                <a:solidFill>
+                  <a:schemeClr val="accent2">
+                    <a:lumMod val="50000"/>
+                  </a:schemeClr>
+                </a:solidFill>
+                <a:ln>
+                  <a:noFill/>
+                </a:ln>
+              </p:spPr>
+              <p:style>
+                <a:lnRef idx="2">
+                  <a:schemeClr val="accent1">
+                    <a:shade val="50000"/>
+                  </a:schemeClr>
+                </a:lnRef>
+                <a:fillRef idx="1">
+                  <a:schemeClr val="accent1"/>
+                </a:fillRef>
+                <a:effectRef idx="0">
+                  <a:schemeClr val="accent1"/>
+                </a:effectRef>
+                <a:fontRef idx="minor">
+                  <a:schemeClr val="lt1"/>
+                </a:fontRef>
+              </p:style>
+              <p:txBody>
+                <a:bodyPr rtlCol="0" anchor="ctr"/>
+                <a:lstStyle/>
+                <a:p>
+                  <a:pPr algn="ctr"/>
+                  <a:endParaRPr lang="en-US"/>
+                </a:p>
+              </p:txBody>
+            </p:sp>
+            <p:sp>
+              <p:nvSpPr>
+                <p:cNvPr id="15" name="Rectangle 14"/>
+                <p:cNvSpPr/>
+                <p:nvPr/>
+              </p:nvSpPr>
+              <p:spPr>
+                <a:xfrm>
+                  <a:off x="3344746" y="1066801"/>
+                  <a:ext cx="784859" cy="152399"/>
+                </a:xfrm>
+                <a:prstGeom prst="rect">
+                  <a:avLst/>
+                </a:prstGeom>
+                <a:solidFill>
+                  <a:schemeClr val="accent2">
+                    <a:lumMod val="75000"/>
+                  </a:schemeClr>
+                </a:solidFill>
+                <a:ln>
+                  <a:noFill/>
+                </a:ln>
+              </p:spPr>
+              <p:style>
+                <a:lnRef idx="2">
+                  <a:schemeClr val="accent1">
+                    <a:shade val="50000"/>
+                  </a:schemeClr>
+                </a:lnRef>
+                <a:fillRef idx="1">
+                  <a:schemeClr val="accent1"/>
+                </a:fillRef>
+                <a:effectRef idx="0">
+                  <a:schemeClr val="accent1"/>
+                </a:effectRef>
+                <a:fontRef idx="minor">
+                  <a:schemeClr val="lt1"/>
+                </a:fontRef>
+              </p:style>
+              <p:txBody>
+                <a:bodyPr rtlCol="0" anchor="ctr"/>
+                <a:lstStyle/>
+                <a:p>
+                  <a:pPr algn="ctr"/>
+                  <a:endParaRPr lang="en-US"/>
+                </a:p>
+              </p:txBody>
+            </p:sp>
+            <p:sp>
+              <p:nvSpPr>
+                <p:cNvPr id="16" name="Rectangle 15"/>
+                <p:cNvSpPr/>
+                <p:nvPr/>
+              </p:nvSpPr>
+              <p:spPr>
+                <a:xfrm>
+                  <a:off x="3344746" y="1287601"/>
+                  <a:ext cx="784859" cy="152399"/>
+                </a:xfrm>
+                <a:prstGeom prst="rect">
+                  <a:avLst/>
+                </a:prstGeom>
+                <a:solidFill>
+                  <a:schemeClr val="accent2">
+                    <a:lumMod val="75000"/>
+                  </a:schemeClr>
+                </a:solidFill>
+                <a:ln>
+                  <a:noFill/>
+                </a:ln>
+              </p:spPr>
+              <p:style>
+                <a:lnRef idx="2">
+                  <a:schemeClr val="accent1">
+                    <a:shade val="50000"/>
+                  </a:schemeClr>
+                </a:lnRef>
+                <a:fillRef idx="1">
+                  <a:schemeClr val="accent1"/>
+                </a:fillRef>
+                <a:effectRef idx="0">
+                  <a:schemeClr val="accent1"/>
+                </a:effectRef>
+                <a:fontRef idx="minor">
+                  <a:schemeClr val="lt1"/>
+                </a:fontRef>
+              </p:style>
+              <p:txBody>
+                <a:bodyPr rtlCol="0" anchor="ctr"/>
+                <a:lstStyle/>
+                <a:p>
+                  <a:pPr algn="ctr"/>
+                  <a:endParaRPr lang="en-US"/>
+                </a:p>
+              </p:txBody>
+            </p:sp>
+            <p:sp>
+              <p:nvSpPr>
+                <p:cNvPr id="17" name="Rectangle 16"/>
+                <p:cNvSpPr/>
+                <p:nvPr/>
+              </p:nvSpPr>
+              <p:spPr>
+                <a:xfrm>
+                  <a:off x="3302692" y="1529539"/>
+                  <a:ext cx="890672" cy="152399"/>
+                </a:xfrm>
+                <a:prstGeom prst="rect">
+                  <a:avLst/>
+                </a:prstGeom>
+                <a:solidFill>
+                  <a:schemeClr val="accent2">
+                    <a:lumMod val="50000"/>
+                  </a:schemeClr>
+                </a:solidFill>
+                <a:ln>
+                  <a:noFill/>
+                </a:ln>
+              </p:spPr>
+              <p:style>
+                <a:lnRef idx="2">
+                  <a:schemeClr val="accent1">
+                    <a:shade val="50000"/>
+                  </a:schemeClr>
+                </a:lnRef>
+                <a:fillRef idx="1">
+                  <a:schemeClr val="accent1"/>
+                </a:fillRef>
+                <a:effectRef idx="0">
+                  <a:schemeClr val="accent1"/>
+                </a:effectRef>
+                <a:fontRef idx="minor">
+                  <a:schemeClr val="lt1"/>
+                </a:fontRef>
+              </p:style>
+              <p:txBody>
+                <a:bodyPr rtlCol="0" anchor="ctr"/>
+                <a:lstStyle/>
+                <a:p>
+                  <a:pPr algn="ctr"/>
+                  <a:endParaRPr lang="en-US"/>
+                </a:p>
+              </p:txBody>
+            </p:sp>
+          </p:grpSp>
+        </p:grpSp>
+        <p:cxnSp>
+          <p:nvCxnSpPr>
+            <p:cNvPr id="7" name="Straight Connector 6"/>
+            <p:cNvCxnSpPr/>
+            <p:nvPr/>
+          </p:nvCxnSpPr>
+          <p:spPr>
+            <a:xfrm>
+              <a:off x="4264323" y="1200151"/>
+              <a:ext cx="2984583" cy="0"/>
+            </a:xfrm>
+            <a:prstGeom prst="line">
+              <a:avLst/>
+            </a:prstGeom>
+            <a:ln>
+              <a:solidFill>
+                <a:schemeClr val="tx1">
+                  <a:lumMod val="65000"/>
+                  <a:lumOff val="35000"/>
+                </a:schemeClr>
+              </a:solidFill>
+            </a:ln>
+            <a:effectLst>
+              <a:outerShdw blurRad="50800" dist="12700" dir="5400000" algn="t" rotWithShape="0">
+                <a:prstClr val="black">
+                  <a:alpha val="40000"/>
+                </a:prstClr>
+              </a:outerShdw>
+            </a:effectLst>
+          </p:spPr>
+          <p:style>
+            <a:lnRef idx="1">
+              <a:schemeClr val="accent1"/>
+            </a:lnRef>
+            <a:fillRef idx="0">
+              <a:schemeClr val="accent1"/>
+            </a:fillRef>
+            <a:effectRef idx="0">
+              <a:schemeClr val="accent1"/>
+            </a:effectRef>
+            <a:fontRef idx="minor">
+              <a:schemeClr val="tx1"/>
+            </a:fontRef>
+          </p:style>
+        </p:cxnSp>
+        <p:sp>
+          <p:nvSpPr>
+            <p:cNvPr id="8" name="Snip and Round Single Corner Rectangle 7"/>
+            <p:cNvSpPr/>
+            <p:nvPr/>
+          </p:nvSpPr>
+          <p:spPr>
+            <a:xfrm>
+              <a:off x="6362700" y="924263"/>
+              <a:ext cx="762000" cy="266602"/>
+            </a:xfrm>
+            <a:prstGeom prst="snipRoundRect">
+              <a:avLst>
+                <a:gd name="adj1" fmla="val 16667"/>
+                <a:gd name="adj2" fmla="val 50000"/>
+              </a:avLst>
+            </a:prstGeom>
+            <a:solidFill>
+              <a:schemeClr val="tx1">
+                <a:lumMod val="50000"/>
+                <a:lumOff val="50000"/>
+              </a:schemeClr>
+            </a:solidFill>
+            <a:ln>
+              <a:solidFill>
+                <a:schemeClr val="tx1">
+                  <a:lumMod val="50000"/>
+                  <a:lumOff val="50000"/>
+                </a:schemeClr>
+              </a:solidFill>
+            </a:ln>
+            <a:effectLst>
+              <a:outerShdw blurRad="50800" dist="38100" algn="l" rotWithShape="0">
+                <a:prstClr val="black">
+                  <a:alpha val="40000"/>
+                </a:prstClr>
+              </a:outerShdw>
+            </a:effectLst>
+          </p:spPr>
+          <p:style>
+            <a:lnRef idx="2">
+              <a:schemeClr val="accent1">
+                <a:shade val="50000"/>
+              </a:schemeClr>
+            </a:lnRef>
+            <a:fillRef idx="1">
+              <a:schemeClr val="accent1"/>
+            </a:fillRef>
+            <a:effectRef idx="0">
+              <a:schemeClr val="accent1"/>
+            </a:effectRef>
+            <a:fontRef idx="minor">
+              <a:schemeClr val="lt1"/>
+            </a:fontRef>
+          </p:style>
+          <p:txBody>
+            <a:bodyPr rtlCol="0" anchor="ctr"/>
+            <a:lstStyle/>
+            <a:p>
+              <a:pPr algn="ctr"/>
+              <a:r>
+                <a:rPr lang="en-US" sz="1000" dirty="0" smtClean="0"/>
+                <a:t>Options</a:t>
+              </a:r>
+              <a:endParaRPr lang="en-US" sz="1000" dirty="0"/>
+            </a:p>
+          </p:txBody>
+        </p:sp>
+        <p:sp>
+          <p:nvSpPr>
+            <p:cNvPr id="11" name="Snip and Round Single Corner Rectangle 10"/>
+            <p:cNvSpPr/>
+            <p:nvPr/>
+          </p:nvSpPr>
+          <p:spPr>
+            <a:xfrm>
+              <a:off x="5375614" y="927239"/>
+              <a:ext cx="762000" cy="266602"/>
+            </a:xfrm>
+            <a:prstGeom prst="snipRoundRect">
+              <a:avLst>
+                <a:gd name="adj1" fmla="val 16667"/>
+                <a:gd name="adj2" fmla="val 50000"/>
+              </a:avLst>
+            </a:prstGeom>
+            <a:solidFill>
+              <a:schemeClr val="tx1">
+                <a:lumMod val="50000"/>
+                <a:lumOff val="50000"/>
+              </a:schemeClr>
+            </a:solidFill>
+            <a:ln>
+              <a:solidFill>
+                <a:schemeClr val="tx1">
+                  <a:lumMod val="50000"/>
+                  <a:lumOff val="50000"/>
+                </a:schemeClr>
+              </a:solidFill>
+            </a:ln>
+            <a:effectLst>
+              <a:outerShdw blurRad="177800" sx="116000" sy="116000" algn="ctr" rotWithShape="0">
+                <a:prstClr val="black">
+                  <a:alpha val="40000"/>
+                </a:prstClr>
+              </a:outerShdw>
+            </a:effectLst>
+          </p:spPr>
+          <p:style>
+            <a:lnRef idx="2">
+              <a:schemeClr val="accent1">
+                <a:shade val="50000"/>
+              </a:schemeClr>
+            </a:lnRef>
+            <a:fillRef idx="1">
+              <a:schemeClr val="accent1"/>
+            </a:fillRef>
+            <a:effectRef idx="0">
+              <a:schemeClr val="accent1"/>
+            </a:effectRef>
+            <a:fontRef idx="minor">
+              <a:schemeClr val="lt1"/>
+            </a:fontRef>
+          </p:style>
+          <p:txBody>
+            <a:bodyPr rtlCol="0" anchor="ctr"/>
+            <a:lstStyle/>
+            <a:p>
+              <a:pPr algn="ctr"/>
+              <a:r>
+                <a:rPr lang="en-US" sz="800" dirty="0" smtClean="0"/>
+                <a:t>Recurrence</a:t>
+              </a:r>
+              <a:endParaRPr lang="en-US" sz="800" dirty="0"/>
+            </a:p>
+          </p:txBody>
+        </p:sp>
+        <p:sp>
+          <p:nvSpPr>
+            <p:cNvPr id="10" name="Snip and Round Single Corner Rectangle 9"/>
+            <p:cNvSpPr/>
+            <p:nvPr/>
+          </p:nvSpPr>
+          <p:spPr>
+            <a:xfrm>
+              <a:off x="4832350" y="924502"/>
+              <a:ext cx="762000" cy="266602"/>
+            </a:xfrm>
+            <a:prstGeom prst="snipRoundRect">
+              <a:avLst>
+                <a:gd name="adj1" fmla="val 16667"/>
+                <a:gd name="adj2" fmla="val 50000"/>
+              </a:avLst>
+            </a:prstGeom>
+            <a:solidFill>
+              <a:schemeClr val="tx1">
+                <a:lumMod val="50000"/>
+                <a:lumOff val="50000"/>
+              </a:schemeClr>
+            </a:solidFill>
+            <a:ln>
+              <a:solidFill>
+                <a:schemeClr val="tx1">
+                  <a:lumMod val="50000"/>
+                  <a:lumOff val="50000"/>
+                </a:schemeClr>
+              </a:solidFill>
+            </a:ln>
+            <a:effectLst>
+              <a:outerShdw blurRad="50800" dist="38100" algn="l" rotWithShape="0">
+                <a:prstClr val="black">
+                  <a:alpha val="40000"/>
+                </a:prstClr>
+              </a:outerShdw>
+            </a:effectLst>
+          </p:spPr>
+          <p:style>
+            <a:lnRef idx="2">
+              <a:schemeClr val="accent1">
+                <a:shade val="50000"/>
+              </a:schemeClr>
+            </a:lnRef>
+            <a:fillRef idx="1">
+              <a:schemeClr val="accent1"/>
+            </a:fillRef>
+            <a:effectRef idx="0">
+              <a:schemeClr val="accent1"/>
+            </a:effectRef>
+            <a:fontRef idx="minor">
+              <a:schemeClr val="lt1"/>
+            </a:fontRef>
+          </p:style>
+          <p:txBody>
+            <a:bodyPr rtlCol="0" anchor="ctr"/>
+            <a:lstStyle/>
+            <a:p>
+              <a:pPr algn="ctr"/>
+              <a:r>
+                <a:rPr lang="en-US" sz="1000" dirty="0" smtClean="0"/>
+                <a:t>Name</a:t>
+              </a:r>
+              <a:endParaRPr lang="en-US" sz="1000" dirty="0"/>
+            </a:p>
+          </p:txBody>
+        </p:sp>
+        <p:sp>
+          <p:nvSpPr>
+            <p:cNvPr id="9" name="Snip and Round Single Corner Rectangle 8"/>
+            <p:cNvSpPr/>
+            <p:nvPr/>
+          </p:nvSpPr>
+          <p:spPr>
+            <a:xfrm>
+              <a:off x="5909014" y="927239"/>
+              <a:ext cx="762000" cy="266602"/>
+            </a:xfrm>
+            <a:prstGeom prst="snipRoundRect">
+              <a:avLst>
+                <a:gd name="adj1" fmla="val 16667"/>
+                <a:gd name="adj2" fmla="val 50000"/>
+              </a:avLst>
+            </a:prstGeom>
+            <a:solidFill>
+              <a:schemeClr val="tx1">
+                <a:lumMod val="50000"/>
+                <a:lumOff val="50000"/>
+              </a:schemeClr>
+            </a:solidFill>
+            <a:ln>
+              <a:solidFill>
+                <a:schemeClr val="tx1">
+                  <a:lumMod val="50000"/>
+                  <a:lumOff val="50000"/>
+                </a:schemeClr>
+              </a:solidFill>
+            </a:ln>
+            <a:effectLst>
+              <a:outerShdw blurRad="63500" sx="102000" sy="102000" algn="ctr" rotWithShape="0">
+                <a:prstClr val="black">
+                  <a:alpha val="40000"/>
+                </a:prstClr>
+              </a:outerShdw>
+            </a:effectLst>
+          </p:spPr>
+          <p:style>
+            <a:lnRef idx="2">
+              <a:schemeClr val="accent1">
+                <a:shade val="50000"/>
+              </a:schemeClr>
+            </a:lnRef>
+            <a:fillRef idx="1">
+              <a:schemeClr val="accent1"/>
+            </a:fillRef>
+            <a:effectRef idx="0">
+              <a:schemeClr val="accent1"/>
+            </a:effectRef>
+            <a:fontRef idx="minor">
+              <a:schemeClr val="lt1"/>
+            </a:fontRef>
+          </p:style>
+          <p:txBody>
+            <a:bodyPr rtlCol="0" anchor="ctr"/>
+            <a:lstStyle/>
+            <a:p>
+              <a:pPr algn="ctr"/>
+              <a:r>
+                <a:rPr lang="en-US" sz="1000" dirty="0" smtClean="0"/>
+                <a:t>Range</a:t>
+              </a:r>
+              <a:endParaRPr lang="en-US" sz="1000" dirty="0"/>
+            </a:p>
+          </p:txBody>
+        </p:sp>
+      </p:grpSp>
+      <p:sp>
+        <p:nvSpPr>
+          <p:cNvPr id="18" name="Oval 17"/>
+          <p:cNvSpPr/>
+          <p:nvPr/>
+        </p:nvSpPr>
+        <p:spPr>
+          <a:xfrm>
+            <a:off x="1812141" y="3665221"/>
+            <a:ext cx="320040" cy="320040"/>
+          </a:xfrm>
+          <a:prstGeom prst="ellipse">
+            <a:avLst/>
+          </a:prstGeom>
+          <a:solidFill>
+            <a:schemeClr val="bg1">
+              <a:lumMod val="85000"/>
+            </a:schemeClr>
+          </a:solidFill>
+          <a:ln w="12700">
+            <a:solidFill>
+              <a:schemeClr val="tx1">
+                <a:lumMod val="50000"/>
+                <a:lumOff val="50000"/>
+              </a:schemeClr>
+            </a:solidFill>
+          </a:ln>
+          <a:effectLst>
+            <a:outerShdw blurRad="50800" dist="38100" dir="5400000" algn="t" rotWithShape="0">
+              <a:prstClr val="black">
+                <a:alpha val="40000"/>
+              </a:prstClr>
+            </a:outerShdw>
+          </a:effectLst>
+        </p:spPr>
+        <p:style>
+          <a:lnRef idx="2">
+            <a:schemeClr val="accent1">
+              <a:shade val="50000"/>
+            </a:schemeClr>
+          </a:lnRef>
+          <a:fillRef idx="1">
+            <a:schemeClr val="accent1"/>
+          </a:fillRef>
+          <a:effectRef idx="0">
+            <a:schemeClr val="accent1"/>
+          </a:effectRef>
+          <a:fontRef idx="minor">
+            <a:schemeClr val="lt1"/>
+          </a:fontRef>
+        </p:style>
+        <p:txBody>
+          <a:bodyPr rtlCol="0" anchor="ctr"/>
+          <a:lstStyle/>
+          <a:p>
+            <a:pPr algn="ctr"/>
+            <a:endParaRPr lang="en-US"/>
+          </a:p>
+        </p:txBody>
+      </p:sp>
+      <p:sp>
+        <p:nvSpPr>
+          <p:cNvPr id="19" name="Oval 18"/>
+          <p:cNvSpPr/>
+          <p:nvPr/>
+        </p:nvSpPr>
+        <p:spPr>
+          <a:xfrm>
+            <a:off x="2200508" y="3665221"/>
+            <a:ext cx="320040" cy="320040"/>
+          </a:xfrm>
+          <a:prstGeom prst="ellipse">
+            <a:avLst/>
+          </a:prstGeom>
+          <a:solidFill>
+            <a:schemeClr val="bg1">
+              <a:lumMod val="85000"/>
+            </a:schemeClr>
+          </a:solidFill>
+          <a:ln w="12700">
+            <a:solidFill>
+              <a:schemeClr val="tx1">
+                <a:lumMod val="50000"/>
+                <a:lumOff val="50000"/>
+              </a:schemeClr>
+            </a:solidFill>
+          </a:ln>
+          <a:effectLst>
+            <a:outerShdw blurRad="50800" dist="38100" dir="5400000" algn="t" rotWithShape="0">
+              <a:prstClr val="black">
+                <a:alpha val="40000"/>
+              </a:prstClr>
+            </a:outerShdw>
+          </a:effectLst>
+        </p:spPr>
+        <p:style>
+          <a:lnRef idx="2">
+            <a:schemeClr val="accent1">
+              <a:shade val="50000"/>
+            </a:schemeClr>
+          </a:lnRef>
+          <a:fillRef idx="1">
+            <a:schemeClr val="accent1"/>
+          </a:fillRef>
+          <a:effectRef idx="0">
+            <a:schemeClr val="accent1"/>
+          </a:effectRef>
+          <a:fontRef idx="minor">
+            <a:schemeClr val="lt1"/>
+          </a:fontRef>
+        </p:style>
+        <p:txBody>
+          <a:bodyPr rtlCol="0" anchor="ctr"/>
+          <a:lstStyle/>
+          <a:p>
+            <a:pPr algn="ctr"/>
+            <a:endParaRPr lang="en-US"/>
+          </a:p>
+        </p:txBody>
+      </p:sp>
+      <p:sp>
+        <p:nvSpPr>
+          <p:cNvPr id="20" name="Oval 19"/>
+          <p:cNvSpPr/>
+          <p:nvPr/>
+        </p:nvSpPr>
+        <p:spPr>
+          <a:xfrm>
+            <a:off x="2567913" y="3665221"/>
+            <a:ext cx="320040" cy="320040"/>
+          </a:xfrm>
+          <a:prstGeom prst="ellipse">
+            <a:avLst/>
+          </a:prstGeom>
+          <a:solidFill>
+            <a:schemeClr val="bg1">
+              <a:lumMod val="85000"/>
+            </a:schemeClr>
+          </a:solidFill>
+          <a:ln w="12700">
+            <a:solidFill>
+              <a:schemeClr val="tx1">
+                <a:lumMod val="50000"/>
+                <a:lumOff val="50000"/>
+              </a:schemeClr>
+            </a:solidFill>
+          </a:ln>
+          <a:effectLst>
+            <a:outerShdw blurRad="50800" dist="38100" dir="5400000" algn="t" rotWithShape="0">
+              <a:prstClr val="black">
+                <a:alpha val="40000"/>
+              </a:prstClr>
+            </a:outerShdw>
+          </a:effectLst>
+        </p:spPr>
+        <p:style>
+          <a:lnRef idx="2">
+            <a:schemeClr val="accent1">
+              <a:shade val="50000"/>
+            </a:schemeClr>
+          </a:lnRef>
+          <a:fillRef idx="1">
+            <a:schemeClr val="accent1"/>
+          </a:fillRef>
+          <a:effectRef idx="0">
+            <a:schemeClr val="accent1"/>
+          </a:effectRef>
+          <a:fontRef idx="minor">
+            <a:schemeClr val="lt1"/>
+          </a:fontRef>
+        </p:style>
+        <p:txBody>
+          <a:bodyPr rtlCol="0" anchor="ctr"/>
+          <a:lstStyle/>
+          <a:p>
+            <a:pPr algn="ctr"/>
+            <a:endParaRPr lang="en-US"/>
+          </a:p>
+        </p:txBody>
+      </p:sp>
+      <p:sp>
+        <p:nvSpPr>
+          <p:cNvPr id="21" name="Oval 20"/>
+          <p:cNvSpPr/>
+          <p:nvPr/>
+        </p:nvSpPr>
+        <p:spPr>
+          <a:xfrm>
+            <a:off x="2947818" y="3665221"/>
+            <a:ext cx="320040" cy="320040"/>
+          </a:xfrm>
+          <a:prstGeom prst="ellipse">
+            <a:avLst/>
+          </a:prstGeom>
+          <a:solidFill>
+            <a:schemeClr val="bg1">
+              <a:lumMod val="85000"/>
+            </a:schemeClr>
+          </a:solidFill>
+          <a:ln w="12700">
+            <a:solidFill>
+              <a:schemeClr val="tx1">
+                <a:lumMod val="50000"/>
+                <a:lumOff val="50000"/>
+              </a:schemeClr>
+            </a:solidFill>
+          </a:ln>
+          <a:effectLst>
+            <a:outerShdw blurRad="50800" dist="38100" dir="5400000" algn="t" rotWithShape="0">
+              <a:prstClr val="black">
+                <a:alpha val="40000"/>
+              </a:prstClr>
+            </a:outerShdw>
+          </a:effectLst>
+        </p:spPr>
+        <p:style>
+          <a:lnRef idx="2">
+            <a:schemeClr val="accent1">
+              <a:shade val="50000"/>
+            </a:schemeClr>
+          </a:lnRef>
+          <a:fillRef idx="1">
+            <a:schemeClr val="accent1"/>
+          </a:fillRef>
+          <a:effectRef idx="0">
+            <a:schemeClr val="accent1"/>
+          </a:effectRef>
+          <a:fontRef idx="minor">
+            <a:schemeClr val="lt1"/>
+          </a:fontRef>
+        </p:style>
+        <p:txBody>
+          <a:bodyPr rtlCol="0" anchor="ctr"/>
+          <a:lstStyle/>
+          <a:p>
+            <a:pPr algn="ctr"/>
+            <a:endParaRPr lang="en-US"/>
+          </a:p>
+        </p:txBody>
+      </p:sp>
+      <p:sp>
+        <p:nvSpPr>
+          <p:cNvPr id="22" name="Oval 21"/>
+          <p:cNvSpPr/>
+          <p:nvPr/>
+        </p:nvSpPr>
+        <p:spPr>
+          <a:xfrm>
+            <a:off x="3351678" y="3665221"/>
+            <a:ext cx="320040" cy="320040"/>
+          </a:xfrm>
+          <a:prstGeom prst="ellipse">
+            <a:avLst/>
+          </a:prstGeom>
+          <a:solidFill>
+            <a:schemeClr val="bg1">
+              <a:lumMod val="85000"/>
+            </a:schemeClr>
+          </a:solidFill>
+          <a:ln w="12700">
+            <a:solidFill>
+              <a:schemeClr val="tx1">
+                <a:lumMod val="50000"/>
+                <a:lumOff val="50000"/>
+              </a:schemeClr>
+            </a:solidFill>
+          </a:ln>
+          <a:effectLst>
+            <a:outerShdw blurRad="50800" dist="38100" dir="5400000" algn="t" rotWithShape="0">
+              <a:prstClr val="black">
+                <a:alpha val="40000"/>
+              </a:prstClr>
+            </a:outerShdw>
+          </a:effectLst>
+        </p:spPr>
+        <p:style>
+          <a:lnRef idx="2">
+            <a:schemeClr val="accent1">
+              <a:shade val="50000"/>
+            </a:schemeClr>
+          </a:lnRef>
+          <a:fillRef idx="1">
+            <a:schemeClr val="accent1"/>
+          </a:fillRef>
+          <a:effectRef idx="0">
+            <a:schemeClr val="accent1"/>
+          </a:effectRef>
+          <a:fontRef idx="minor">
+            <a:schemeClr val="lt1"/>
+          </a:fontRef>
+        </p:style>
+        <p:txBody>
+          <a:bodyPr rtlCol="0" anchor="ctr"/>
+          <a:lstStyle/>
+          <a:p>
+            <a:pPr algn="ctr"/>
+            <a:endParaRPr lang="en-US"/>
+          </a:p>
+        </p:txBody>
+      </p:sp>
+      <p:sp>
+        <p:nvSpPr>
+          <p:cNvPr id="23" name="Oval 22"/>
+          <p:cNvSpPr/>
+          <p:nvPr/>
+        </p:nvSpPr>
+        <p:spPr>
+          <a:xfrm>
+            <a:off x="3736784" y="3665221"/>
+            <a:ext cx="320040" cy="320040"/>
+          </a:xfrm>
+          <a:prstGeom prst="ellipse">
+            <a:avLst/>
+          </a:prstGeom>
+          <a:solidFill>
+            <a:schemeClr val="bg1">
+              <a:lumMod val="85000"/>
+            </a:schemeClr>
+          </a:solidFill>
+          <a:ln w="12700">
+            <a:solidFill>
+              <a:schemeClr val="tx1">
+                <a:lumMod val="50000"/>
+                <a:lumOff val="50000"/>
+              </a:schemeClr>
+            </a:solidFill>
+          </a:ln>
+          <a:effectLst>
+            <a:outerShdw blurRad="50800" dist="38100" dir="5400000" algn="t" rotWithShape="0">
+              <a:prstClr val="black">
+                <a:alpha val="40000"/>
+              </a:prstClr>
+            </a:outerShdw>
+          </a:effectLst>
+        </p:spPr>
+        <p:style>
+          <a:lnRef idx="2">
+            <a:schemeClr val="accent1">
+              <a:shade val="50000"/>
+            </a:schemeClr>
+          </a:lnRef>
+          <a:fillRef idx="1">
+            <a:schemeClr val="accent1"/>
+          </a:fillRef>
+          <a:effectRef idx="0">
+            <a:schemeClr val="accent1"/>
+          </a:effectRef>
+          <a:fontRef idx="minor">
+            <a:schemeClr val="lt1"/>
+          </a:fontRef>
+        </p:style>
+        <p:txBody>
+          <a:bodyPr rtlCol="0" anchor="ctr"/>
+          <a:lstStyle/>
+          <a:p>
+            <a:pPr algn="ctr"/>
+            <a:endParaRPr lang="en-US"/>
+          </a:p>
+        </p:txBody>
+      </p:sp>
+      <p:sp>
+        <p:nvSpPr>
+          <p:cNvPr id="24" name="Oval 23"/>
+          <p:cNvSpPr/>
+          <p:nvPr/>
+        </p:nvSpPr>
+        <p:spPr>
+          <a:xfrm>
+            <a:off x="4137660" y="3657600"/>
+            <a:ext cx="320040" cy="320040"/>
+          </a:xfrm>
+          <a:prstGeom prst="ellipse">
+            <a:avLst/>
+          </a:prstGeom>
+          <a:solidFill>
+            <a:schemeClr val="bg1">
+              <a:lumMod val="85000"/>
+            </a:schemeClr>
+          </a:solidFill>
+          <a:ln w="12700">
+            <a:solidFill>
+              <a:schemeClr val="tx1">
+                <a:lumMod val="50000"/>
+                <a:lumOff val="50000"/>
+              </a:schemeClr>
+            </a:solidFill>
+          </a:ln>
+          <a:effectLst>
+            <a:outerShdw blurRad="50800" dist="38100" dir="5400000" algn="t" rotWithShape="0">
+              <a:prstClr val="black">
+                <a:alpha val="40000"/>
+              </a:prstClr>
+            </a:outerShdw>
+          </a:effectLst>
+        </p:spPr>
+        <p:style>
+          <a:lnRef idx="2">
+            <a:schemeClr val="accent1">
+              <a:shade val="50000"/>
+            </a:schemeClr>
+          </a:lnRef>
+          <a:fillRef idx="1">
+            <a:schemeClr val="accent1"/>
+          </a:fillRef>
+          <a:effectRef idx="0">
+            <a:schemeClr val="accent1"/>
+          </a:effectRef>
+          <a:fontRef idx="minor">
+            <a:schemeClr val="lt1"/>
+          </a:fontRef>
+        </p:style>
+        <p:txBody>
+          <a:bodyPr rtlCol="0" anchor="ctr"/>
+          <a:lstStyle/>
+          <a:p>
+            <a:pPr algn="ctr"/>
+            <a:endParaRPr lang="en-US"/>
+          </a:p>
+        </p:txBody>
+      </p:sp>
+      <p:sp>
+        <p:nvSpPr>
+          <p:cNvPr id="39" name="Rectangle 38"/>
+          <p:cNvSpPr/>
+          <p:nvPr/>
+        </p:nvSpPr>
+        <p:spPr>
+          <a:xfrm>
+            <a:off x="1913834" y="4286250"/>
+            <a:ext cx="2298023" cy="533400"/>
+          </a:xfrm>
+          <a:prstGeom prst="rect">
+            <a:avLst/>
+          </a:prstGeom>
+        </p:spPr>
+        <p:style>
+          <a:lnRef idx="2">
+            <a:schemeClr val="accent1">
+              <a:shade val="50000"/>
+            </a:schemeClr>
+          </a:lnRef>
+          <a:fillRef idx="1">
+            <a:schemeClr val="accent1"/>
+          </a:fillRef>
+          <a:effectRef idx="0">
+            <a:schemeClr val="accent1"/>
+          </a:effectRef>
+          <a:fontRef idx="minor">
+            <a:schemeClr val="lt1"/>
+          </a:fontRef>
+        </p:style>
+        <p:txBody>
+          <a:bodyPr rtlCol="0" anchor="ctr"/>
+          <a:lstStyle/>
+          <a:p>
+            <a:pPr algn="ctr"/>
+            <a:r>
+              <a:rPr lang="en-US" dirty="0" smtClean="0"/>
+              <a:t>Range Of Repetition</a:t>
+            </a:r>
+            <a:endParaRPr lang="en-US" dirty="0"/>
+          </a:p>
+        </p:txBody>
+      </p:sp>
+      <p:cxnSp>
+        <p:nvCxnSpPr>
+          <p:cNvPr id="42" name="Straight Connector 41"/>
+          <p:cNvCxnSpPr/>
+          <p:nvPr/>
+        </p:nvCxnSpPr>
+        <p:spPr>
+          <a:xfrm>
+            <a:off x="1972161" y="1905000"/>
+            <a:ext cx="2084663" cy="0"/>
+          </a:xfrm>
+          <a:prstGeom prst="line">
+            <a:avLst/>
+          </a:prstGeom>
+        </p:spPr>
+        <p:style>
+          <a:lnRef idx="1">
+            <a:schemeClr val="accent1"/>
+          </a:lnRef>
+          <a:fillRef idx="0">
+            <a:schemeClr val="accent1"/>
+          </a:fillRef>
+          <a:effectRef idx="0">
+            <a:schemeClr val="accent1"/>
+          </a:effectRef>
+          <a:fontRef idx="minor">
+            <a:schemeClr val="tx1"/>
+          </a:fontRef>
+        </p:style>
+      </p:cxnSp>
+      <p:cxnSp>
+        <p:nvCxnSpPr>
+          <p:cNvPr id="43" name="Straight Connector 42"/>
+          <p:cNvCxnSpPr/>
+          <p:nvPr/>
+        </p:nvCxnSpPr>
+        <p:spPr>
+          <a:xfrm>
+            <a:off x="1972160" y="2362200"/>
+            <a:ext cx="2084663" cy="0"/>
+          </a:xfrm>
+          <a:prstGeom prst="line">
+            <a:avLst/>
+          </a:prstGeom>
+        </p:spPr>
+        <p:style>
+          <a:lnRef idx="1">
+            <a:schemeClr val="accent1"/>
+          </a:lnRef>
+          <a:fillRef idx="0">
+            <a:schemeClr val="accent1"/>
+          </a:fillRef>
+          <a:effectRef idx="0">
+            <a:schemeClr val="accent1"/>
+          </a:effectRef>
+          <a:fontRef idx="minor">
+            <a:schemeClr val="tx1"/>
+          </a:fontRef>
+        </p:style>
+      </p:cxnSp>
+      <p:sp>
+        <p:nvSpPr>
+          <p:cNvPr id="44" name="TextBox 43"/>
+          <p:cNvSpPr txBox="1"/>
+          <p:nvPr/>
+        </p:nvSpPr>
+        <p:spPr>
+          <a:xfrm>
+            <a:off x="1927103" y="2108596"/>
+            <a:ext cx="1089957" cy="246221"/>
+          </a:xfrm>
+          <a:prstGeom prst="rect">
+            <a:avLst/>
+          </a:prstGeom>
+          <a:noFill/>
+        </p:spPr>
+        <p:txBody>
+          <a:bodyPr wrap="square" rtlCol="0">
+            <a:spAutoFit/>
+          </a:bodyPr>
+          <a:lstStyle/>
+          <a:p>
+            <a:r>
+              <a:rPr lang="en-US" sz="1000" dirty="0" smtClean="0">
+                <a:solidFill>
+                  <a:schemeClr val="bg1">
+                    <a:lumMod val="85000"/>
+                  </a:schemeClr>
+                </a:solidFill>
+              </a:rPr>
+              <a:t>Deadline:</a:t>
+            </a:r>
+            <a:endParaRPr lang="en-US" sz="1000" dirty="0">
+              <a:solidFill>
+                <a:schemeClr val="bg1">
+                  <a:lumMod val="85000"/>
+                </a:schemeClr>
+              </a:solidFill>
+            </a:endParaRPr>
+          </a:p>
+        </p:txBody>
+      </p:sp>
+      <p:sp>
+        <p:nvSpPr>
+          <p:cNvPr id="45" name="TextBox 44"/>
+          <p:cNvSpPr txBox="1"/>
+          <p:nvPr/>
+        </p:nvSpPr>
+        <p:spPr>
+          <a:xfrm>
+            <a:off x="1905000" y="1658779"/>
+            <a:ext cx="1089957" cy="246221"/>
+          </a:xfrm>
+          <a:prstGeom prst="rect">
+            <a:avLst/>
+          </a:prstGeom>
+          <a:noFill/>
+        </p:spPr>
+        <p:txBody>
+          <a:bodyPr wrap="square" rtlCol="0">
+            <a:spAutoFit/>
+          </a:bodyPr>
+          <a:lstStyle/>
+          <a:p>
+            <a:r>
+              <a:rPr lang="en-US" sz="1000" dirty="0" smtClean="0">
+                <a:solidFill>
+                  <a:schemeClr val="bg1">
+                    <a:lumMod val="85000"/>
+                  </a:schemeClr>
+                </a:solidFill>
+              </a:rPr>
+              <a:t>Start:</a:t>
+            </a:r>
+            <a:endParaRPr lang="en-US" sz="1000" dirty="0">
+              <a:solidFill>
+                <a:schemeClr val="bg1">
+                  <a:lumMod val="85000"/>
+                </a:schemeClr>
+              </a:solidFill>
+            </a:endParaRPr>
+          </a:p>
+        </p:txBody>
+      </p:sp>
+    </p:spTree>
+    <p:extLst>
+      <p:ext uri="{BB962C8B-B14F-4D97-AF65-F5344CB8AC3E}">
+        <p14:creationId xmlns:p14="http://schemas.microsoft.com/office/powerpoint/2010/main" val="855682716"/>
+      </p:ext>
+    </p:extLst>
+  </p:cSld>
+  <p:clrMapOvr>
+    <a:masterClrMapping/>
+  </p:clrMapOvr>
+</p:sld>
+</file>
+
+<file path=ppt/slides/slide11.xml><?xml version="1.0" encoding="utf-8"?>
+<p:sld xmlns:a="http://schemas.openxmlformats.org/drawingml/2006/main" xmlns:r="http://schemas.openxmlformats.org/officeDocument/2006/relationships" xmlns:p="http://schemas.openxmlformats.org/presentationml/2006/main">
+  <p:cSld>
+    <p:spTree>
+      <p:nvGrpSpPr>
+        <p:cNvPr id="1" name=""/>
+        <p:cNvGrpSpPr/>
+        <p:nvPr/>
+      </p:nvGrpSpPr>
+      <p:grpSpPr>
+        <a:xfrm>
+          <a:off x="0" y="0"/>
+          <a:ext cx="0" cy="0"/>
+          <a:chOff x="0" y="0"/>
+          <a:chExt cx="0" cy="0"/>
+        </a:xfrm>
+      </p:grpSpPr>
+      <p:sp>
+        <p:nvSpPr>
+          <p:cNvPr id="10" name="Rounded Rectangle 9"/>
+          <p:cNvSpPr/>
+          <p:nvPr/>
+        </p:nvSpPr>
+        <p:spPr>
+          <a:xfrm>
+            <a:off x="647700" y="659809"/>
+            <a:ext cx="3124200" cy="4724400"/>
+          </a:xfrm>
+          <a:prstGeom prst="roundRect">
+            <a:avLst>
+              <a:gd name="adj" fmla="val 0"/>
+            </a:avLst>
+          </a:prstGeom>
+          <a:solidFill>
+            <a:schemeClr val="tx1">
+              <a:lumMod val="85000"/>
+              <a:lumOff val="15000"/>
+            </a:schemeClr>
+          </a:solidFill>
+          <a:ln w="6350">
+            <a:solidFill>
+              <a:schemeClr val="tx1">
+                <a:lumMod val="50000"/>
+                <a:lumOff val="50000"/>
+              </a:schemeClr>
+            </a:solidFill>
+          </a:ln>
+        </p:spPr>
+        <p:style>
+          <a:lnRef idx="2">
+            <a:schemeClr val="accent1">
+              <a:shade val="50000"/>
+            </a:schemeClr>
+          </a:lnRef>
+          <a:fillRef idx="1">
+            <a:schemeClr val="accent1"/>
+          </a:fillRef>
+          <a:effectRef idx="0">
+            <a:schemeClr val="accent1"/>
+          </a:effectRef>
+          <a:fontRef idx="minor">
+            <a:schemeClr val="lt1"/>
+          </a:fontRef>
+        </p:style>
+        <p:txBody>
+          <a:bodyPr rtlCol="0" anchor="ctr"/>
+          <a:lstStyle/>
+          <a:p>
+            <a:pPr algn="ctr"/>
+            <a:endParaRPr lang="en-US" dirty="0"/>
+          </a:p>
+        </p:txBody>
+      </p:sp>
+      <p:sp>
+        <p:nvSpPr>
+          <p:cNvPr id="5" name="Oval 4"/>
+          <p:cNvSpPr/>
+          <p:nvPr/>
+        </p:nvSpPr>
+        <p:spPr>
+          <a:xfrm>
+            <a:off x="1102995" y="1600200"/>
+            <a:ext cx="2286000" cy="2286000"/>
+          </a:xfrm>
+          <a:prstGeom prst="ellipse">
+            <a:avLst/>
+          </a:prstGeom>
+          <a:noFill/>
+          <a:ln w="571500">
+            <a:solidFill>
+              <a:schemeClr val="bg1">
+                <a:lumMod val="95000"/>
+              </a:schemeClr>
+            </a:solidFill>
+          </a:ln>
+          <a:effectLst>
+            <a:outerShdw blurRad="457200" dist="38100" dir="5400000" sx="106000" sy="106000" algn="t" rotWithShape="0">
+              <a:prstClr val="black">
+                <a:alpha val="30000"/>
+              </a:prstClr>
+            </a:outerShdw>
+          </a:effectLst>
+        </p:spPr>
+        <p:style>
+          <a:lnRef idx="2">
+            <a:schemeClr val="accent1">
+              <a:shade val="50000"/>
+            </a:schemeClr>
+          </a:lnRef>
+          <a:fillRef idx="1">
+            <a:schemeClr val="accent1"/>
+          </a:fillRef>
+          <a:effectRef idx="0">
+            <a:schemeClr val="accent1"/>
+          </a:effectRef>
+          <a:fontRef idx="minor">
+            <a:schemeClr val="lt1"/>
+          </a:fontRef>
+        </p:style>
+        <p:txBody>
+          <a:bodyPr rtlCol="0" anchor="ctr"/>
+          <a:lstStyle/>
+          <a:p>
+            <a:pPr algn="ctr"/>
+            <a:endParaRPr lang="en-US"/>
+          </a:p>
+        </p:txBody>
+      </p:sp>
+    </p:spTree>
+    <p:extLst>
+      <p:ext uri="{BB962C8B-B14F-4D97-AF65-F5344CB8AC3E}">
+        <p14:creationId xmlns:p14="http://schemas.microsoft.com/office/powerpoint/2010/main" val="634595545"/>
+      </p:ext>
+    </p:extLst>
+  </p:cSld>
+  <p:clrMapOvr>
+    <a:masterClrMapping/>
+  </p:clrMapOvr>
+</p:sld>
+</file>
+
+<file path=ppt/slides/slide12.xml><?xml version="1.0" encoding="utf-8"?>
+<p:sld xmlns:a="http://schemas.openxmlformats.org/drawingml/2006/main" xmlns:r="http://schemas.openxmlformats.org/officeDocument/2006/relationships" xmlns:p="http://schemas.openxmlformats.org/presentationml/2006/main">
+  <p:cSld>
+    <p:spTree>
+      <p:nvGrpSpPr>
+        <p:cNvPr id="1" name=""/>
+        <p:cNvGrpSpPr/>
+        <p:nvPr/>
+      </p:nvGrpSpPr>
+      <p:grpSpPr>
+        <a:xfrm>
+          <a:off x="0" y="0"/>
+          <a:ext cx="0" cy="0"/>
+          <a:chOff x="0" y="0"/>
+          <a:chExt cx="0" cy="0"/>
+        </a:xfrm>
+      </p:grpSpPr>
+      <p:sp>
+        <p:nvSpPr>
+          <p:cNvPr id="4" name="Cross 3"/>
+          <p:cNvSpPr/>
+          <p:nvPr/>
+        </p:nvSpPr>
+        <p:spPr>
+          <a:xfrm>
+            <a:off x="1981200" y="1447800"/>
+            <a:ext cx="3657600" cy="3657600"/>
+          </a:xfrm>
+          <a:prstGeom prst="plus">
+            <a:avLst>
+              <a:gd name="adj" fmla="val 30213"/>
+            </a:avLst>
+          </a:prstGeom>
+          <a:solidFill>
+            <a:schemeClr val="bg1">
+              <a:lumMod val="85000"/>
+            </a:schemeClr>
+          </a:solidFill>
+          <a:ln>
+            <a:solidFill>
+              <a:schemeClr val="bg1">
+                <a:lumMod val="85000"/>
+              </a:schemeClr>
+            </a:solidFill>
+          </a:ln>
+        </p:spPr>
+        <p:style>
+          <a:lnRef idx="2">
+            <a:schemeClr val="accent1">
+              <a:shade val="50000"/>
+            </a:schemeClr>
+          </a:lnRef>
+          <a:fillRef idx="1">
+            <a:schemeClr val="accent1"/>
+          </a:fillRef>
+          <a:effectRef idx="0">
+            <a:schemeClr val="accent1"/>
+          </a:effectRef>
+          <a:fontRef idx="minor">
+            <a:schemeClr val="lt1"/>
+          </a:fontRef>
+        </p:style>
+        <p:txBody>
+          <a:bodyPr rtlCol="0" anchor="ctr"/>
+          <a:lstStyle/>
+          <a:p>
+            <a:pPr algn="ctr"/>
+            <a:endParaRPr lang="en-US"/>
+          </a:p>
+        </p:txBody>
+      </p:sp>
+    </p:spTree>
+    <p:extLst>
+      <p:ext uri="{BB962C8B-B14F-4D97-AF65-F5344CB8AC3E}">
+        <p14:creationId xmlns:p14="http://schemas.microsoft.com/office/powerpoint/2010/main" val="3450576249"/>
+      </p:ext>
+    </p:extLst>
+  </p:cSld>
+  <p:clrMapOvr>
+    <a:masterClrMapping/>
+  </p:clrMapOvr>
+</p:sld>
+</file>
+
+<file path=ppt/slides/slide13.xml><?xml version="1.0" encoding="utf-8"?>
+<p:sld xmlns:a="http://schemas.openxmlformats.org/drawingml/2006/main" xmlns:r="http://schemas.openxmlformats.org/officeDocument/2006/relationships" xmlns:p="http://schemas.openxmlformats.org/presentationml/2006/main">
+  <p:cSld>
+    <p:spTree>
+      <p:nvGrpSpPr>
+        <p:cNvPr id="1" name=""/>
+        <p:cNvGrpSpPr/>
+        <p:nvPr/>
+      </p:nvGrpSpPr>
+      <p:grpSpPr>
+        <a:xfrm>
+          <a:off x="0" y="0"/>
+          <a:ext cx="0" cy="0"/>
+          <a:chOff x="0" y="0"/>
+          <a:chExt cx="0" cy="0"/>
+        </a:xfrm>
+      </p:grpSpPr>
+      <p:grpSp>
+        <p:nvGrpSpPr>
           <p:cNvPr id="11" name="Group 10"/>
           <p:cNvGrpSpPr/>
           <p:nvPr/>
@@ -9922,7 +11453,7 @@
               <a:avLst/>
             </a:prstGeom>
             <a:noFill/>
-            <a:ln w="50800">
+            <a:ln w="508000">
               <a:solidFill>
                 <a:schemeClr val="accent2">
                   <a:lumMod val="50000"/>
@@ -10233,7 +11764,7 @@
         </p:nvSpPr>
         <p:spPr>
           <a:xfrm>
-            <a:off x="1981200" y="1447800"/>
+            <a:off x="533400" y="838200"/>
             <a:ext cx="3657600" cy="3657600"/>
           </a:xfrm>
           <a:prstGeom prst="plus">
@@ -11673,13 +13204,13 @@
           <p:nvPr>
             <p:extLst>
               <p:ext uri="{D42A27DB-BD31-4B8C-83A1-F6EECF244321}">
-                <p14:modId xmlns:p14="http://schemas.microsoft.com/office/powerpoint/2010/main" val="1770916986"/>
+                <p14:modId xmlns:p14="http://schemas.microsoft.com/office/powerpoint/2010/main" val="765702472"/>
               </p:ext>
             </p:extLst>
           </p:nvPr>
         </p:nvGraphicFramePr>
         <p:xfrm>
-          <a:off x="241489" y="1200151"/>
+          <a:off x="236266" y="1386150"/>
           <a:ext cx="3464117" cy="1162049"/>
         </p:xfrm>
         <a:graphic>
@@ -24589,248 +26120,6 @@
           <a:chExt cx="0" cy="0"/>
         </a:xfrm>
       </p:grpSpPr>
-      <p:grpSp>
-        <p:nvGrpSpPr>
-          <p:cNvPr id="34" name="Group 33"/>
-          <p:cNvGrpSpPr/>
-          <p:nvPr/>
-        </p:nvGrpSpPr>
-        <p:grpSpPr>
-          <a:xfrm>
-            <a:off x="2895600" y="2590800"/>
-            <a:ext cx="640080" cy="640080"/>
-            <a:chOff x="2895600" y="2590800"/>
-            <a:chExt cx="640080" cy="640080"/>
-          </a:xfrm>
-        </p:grpSpPr>
-        <p:sp>
-          <p:nvSpPr>
-            <p:cNvPr id="4" name="Oval 3"/>
-            <p:cNvSpPr/>
-            <p:nvPr/>
-          </p:nvSpPr>
-          <p:spPr>
-            <a:xfrm>
-              <a:off x="2895600" y="2590800"/>
-              <a:ext cx="640080" cy="640080"/>
-            </a:xfrm>
-            <a:prstGeom prst="ellipse">
-              <a:avLst/>
-            </a:prstGeom>
-            <a:noFill/>
-            <a:ln w="63500">
-              <a:solidFill>
-                <a:schemeClr val="tx1">
-                  <a:lumMod val="50000"/>
-                  <a:lumOff val="50000"/>
-                </a:schemeClr>
-              </a:solidFill>
-            </a:ln>
-            <a:effectLst>
-              <a:outerShdw blurRad="50800" dist="38100" dir="5400000" algn="t" rotWithShape="0">
-                <a:prstClr val="black">
-                  <a:alpha val="40000"/>
-                </a:prstClr>
-              </a:outerShdw>
-            </a:effectLst>
-          </p:spPr>
-          <p:style>
-            <a:lnRef idx="2">
-              <a:schemeClr val="accent1">
-                <a:shade val="50000"/>
-              </a:schemeClr>
-            </a:lnRef>
-            <a:fillRef idx="1">
-              <a:schemeClr val="accent1"/>
-            </a:fillRef>
-            <a:effectRef idx="0">
-              <a:schemeClr val="accent1"/>
-            </a:effectRef>
-            <a:fontRef idx="minor">
-              <a:schemeClr val="lt1"/>
-            </a:fontRef>
-          </p:style>
-          <p:txBody>
-            <a:bodyPr rtlCol="0" anchor="ctr"/>
-            <a:lstStyle/>
-            <a:p>
-              <a:pPr algn="ctr"/>
-              <a:endParaRPr lang="en-US"/>
-            </a:p>
-          </p:txBody>
-        </p:sp>
-        <p:cxnSp>
-          <p:nvCxnSpPr>
-            <p:cNvPr id="7" name="Straight Connector 6"/>
-            <p:cNvCxnSpPr/>
-            <p:nvPr/>
-          </p:nvCxnSpPr>
-          <p:spPr>
-            <a:xfrm>
-              <a:off x="3048000" y="2743200"/>
-              <a:ext cx="152400" cy="152400"/>
-            </a:xfrm>
-            <a:prstGeom prst="line">
-              <a:avLst/>
-            </a:prstGeom>
-            <a:ln w="38100">
-              <a:solidFill>
-                <a:schemeClr val="tx1">
-                  <a:lumMod val="50000"/>
-                  <a:lumOff val="50000"/>
-                </a:schemeClr>
-              </a:solidFill>
-            </a:ln>
-          </p:spPr>
-          <p:style>
-            <a:lnRef idx="1">
-              <a:schemeClr val="accent1"/>
-            </a:lnRef>
-            <a:fillRef idx="0">
-              <a:schemeClr val="accent1"/>
-            </a:fillRef>
-            <a:effectRef idx="0">
-              <a:schemeClr val="accent1"/>
-            </a:effectRef>
-            <a:fontRef idx="minor">
-              <a:schemeClr val="tx1"/>
-            </a:fontRef>
-          </p:style>
-        </p:cxnSp>
-        <p:cxnSp>
-          <p:nvCxnSpPr>
-            <p:cNvPr id="10" name="Straight Connector 9"/>
-            <p:cNvCxnSpPr/>
-            <p:nvPr/>
-          </p:nvCxnSpPr>
-          <p:spPr>
-            <a:xfrm>
-              <a:off x="3215640" y="2917984"/>
-              <a:ext cx="152400" cy="38100"/>
-            </a:xfrm>
-            <a:prstGeom prst="line">
-              <a:avLst/>
-            </a:prstGeom>
-            <a:ln w="38100">
-              <a:solidFill>
-                <a:schemeClr val="tx1">
-                  <a:lumMod val="50000"/>
-                  <a:lumOff val="50000"/>
-                </a:schemeClr>
-              </a:solidFill>
-            </a:ln>
-          </p:spPr>
-          <p:style>
-            <a:lnRef idx="1">
-              <a:schemeClr val="accent1"/>
-            </a:lnRef>
-            <a:fillRef idx="0">
-              <a:schemeClr val="accent1"/>
-            </a:fillRef>
-            <a:effectRef idx="0">
-              <a:schemeClr val="accent1"/>
-            </a:effectRef>
-            <a:fontRef idx="minor">
-              <a:schemeClr val="tx1"/>
-            </a:fontRef>
-          </p:style>
-        </p:cxnSp>
-        <p:cxnSp>
-          <p:nvCxnSpPr>
-            <p:cNvPr id="13" name="Straight Connector 12"/>
-            <p:cNvCxnSpPr/>
-            <p:nvPr/>
-          </p:nvCxnSpPr>
-          <p:spPr>
-            <a:xfrm flipV="1">
-              <a:off x="3215640" y="2743200"/>
-              <a:ext cx="152400" cy="174784"/>
-            </a:xfrm>
-            <a:prstGeom prst="line">
-              <a:avLst/>
-            </a:prstGeom>
-            <a:ln w="38100">
-              <a:solidFill>
-                <a:schemeClr val="tx1">
-                  <a:lumMod val="50000"/>
-                  <a:lumOff val="50000"/>
-                  <a:alpha val="59000"/>
-                </a:schemeClr>
-              </a:solidFill>
-            </a:ln>
-          </p:spPr>
-          <p:style>
-            <a:lnRef idx="1">
-              <a:schemeClr val="accent1"/>
-            </a:lnRef>
-            <a:fillRef idx="0">
-              <a:schemeClr val="accent1"/>
-            </a:fillRef>
-            <a:effectRef idx="0">
-              <a:schemeClr val="accent1"/>
-            </a:effectRef>
-            <a:fontRef idx="minor">
-              <a:schemeClr val="tx1"/>
-            </a:fontRef>
-          </p:style>
-        </p:cxnSp>
-        <p:sp>
-          <p:nvSpPr>
-            <p:cNvPr id="5" name="Oval 4"/>
-            <p:cNvSpPr/>
-            <p:nvPr/>
-          </p:nvSpPr>
-          <p:spPr>
-            <a:xfrm>
-              <a:off x="3169920" y="2865120"/>
-              <a:ext cx="91440" cy="91440"/>
-            </a:xfrm>
-            <a:prstGeom prst="ellipse">
-              <a:avLst/>
-            </a:prstGeom>
-            <a:solidFill>
-              <a:schemeClr val="tx1">
-                <a:lumMod val="75000"/>
-                <a:lumOff val="25000"/>
-              </a:schemeClr>
-            </a:solidFill>
-            <a:ln w="63500">
-              <a:noFill/>
-            </a:ln>
-            <a:effectLst>
-              <a:outerShdw blurRad="50800" dist="38100" dir="5400000" algn="t" rotWithShape="0">
-                <a:prstClr val="black">
-                  <a:alpha val="40000"/>
-                </a:prstClr>
-              </a:outerShdw>
-            </a:effectLst>
-          </p:spPr>
-          <p:style>
-            <a:lnRef idx="2">
-              <a:schemeClr val="accent1">
-                <a:shade val="50000"/>
-              </a:schemeClr>
-            </a:lnRef>
-            <a:fillRef idx="1">
-              <a:schemeClr val="accent1"/>
-            </a:fillRef>
-            <a:effectRef idx="0">
-              <a:schemeClr val="accent1"/>
-            </a:effectRef>
-            <a:fontRef idx="minor">
-              <a:schemeClr val="lt1"/>
-            </a:fontRef>
-          </p:style>
-          <p:txBody>
-            <a:bodyPr rtlCol="0" anchor="ctr"/>
-            <a:lstStyle/>
-            <a:p>
-              <a:pPr algn="ctr"/>
-              <a:endParaRPr lang="en-US"/>
-            </a:p>
-          </p:txBody>
-        </p:sp>
-      </p:grpSp>
       <p:sp>
         <p:nvSpPr>
           <p:cNvPr id="35" name="Rectangle 34"/>
@@ -25951,6 +27240,248 @@
           </a:graphicData>
         </a:graphic>
       </p:graphicFrame>
+      <p:grpSp>
+        <p:nvGrpSpPr>
+          <p:cNvPr id="49" name="Group 48"/>
+          <p:cNvGrpSpPr/>
+          <p:nvPr/>
+        </p:nvGrpSpPr>
+        <p:grpSpPr>
+          <a:xfrm>
+            <a:off x="2895600" y="2590800"/>
+            <a:ext cx="640080" cy="640080"/>
+            <a:chOff x="2895600" y="2590800"/>
+            <a:chExt cx="640080" cy="640080"/>
+          </a:xfrm>
+        </p:grpSpPr>
+        <p:sp>
+          <p:nvSpPr>
+            <p:cNvPr id="50" name="Oval 49"/>
+            <p:cNvSpPr/>
+            <p:nvPr/>
+          </p:nvSpPr>
+          <p:spPr>
+            <a:xfrm>
+              <a:off x="2895600" y="2590800"/>
+              <a:ext cx="640080" cy="640080"/>
+            </a:xfrm>
+            <a:prstGeom prst="ellipse">
+              <a:avLst/>
+            </a:prstGeom>
+            <a:noFill/>
+            <a:ln w="63500">
+              <a:solidFill>
+                <a:schemeClr val="tx1">
+                  <a:lumMod val="50000"/>
+                  <a:lumOff val="50000"/>
+                </a:schemeClr>
+              </a:solidFill>
+            </a:ln>
+            <a:effectLst>
+              <a:outerShdw blurRad="50800" dist="38100" dir="5400000" algn="t" rotWithShape="0">
+                <a:prstClr val="black">
+                  <a:alpha val="40000"/>
+                </a:prstClr>
+              </a:outerShdw>
+            </a:effectLst>
+          </p:spPr>
+          <p:style>
+            <a:lnRef idx="2">
+              <a:schemeClr val="accent1">
+                <a:shade val="50000"/>
+              </a:schemeClr>
+            </a:lnRef>
+            <a:fillRef idx="1">
+              <a:schemeClr val="accent1"/>
+            </a:fillRef>
+            <a:effectRef idx="0">
+              <a:schemeClr val="accent1"/>
+            </a:effectRef>
+            <a:fontRef idx="minor">
+              <a:schemeClr val="lt1"/>
+            </a:fontRef>
+          </p:style>
+          <p:txBody>
+            <a:bodyPr rtlCol="0" anchor="ctr"/>
+            <a:lstStyle/>
+            <a:p>
+              <a:pPr algn="ctr"/>
+              <a:endParaRPr lang="en-US"/>
+            </a:p>
+          </p:txBody>
+        </p:sp>
+        <p:cxnSp>
+          <p:nvCxnSpPr>
+            <p:cNvPr id="51" name="Straight Connector 50"/>
+            <p:cNvCxnSpPr/>
+            <p:nvPr/>
+          </p:nvCxnSpPr>
+          <p:spPr>
+            <a:xfrm>
+              <a:off x="3048000" y="2743200"/>
+              <a:ext cx="152400" cy="152400"/>
+            </a:xfrm>
+            <a:prstGeom prst="line">
+              <a:avLst/>
+            </a:prstGeom>
+            <a:ln w="38100">
+              <a:solidFill>
+                <a:schemeClr val="tx1">
+                  <a:lumMod val="50000"/>
+                  <a:lumOff val="50000"/>
+                </a:schemeClr>
+              </a:solidFill>
+            </a:ln>
+          </p:spPr>
+          <p:style>
+            <a:lnRef idx="1">
+              <a:schemeClr val="accent1"/>
+            </a:lnRef>
+            <a:fillRef idx="0">
+              <a:schemeClr val="accent1"/>
+            </a:fillRef>
+            <a:effectRef idx="0">
+              <a:schemeClr val="accent1"/>
+            </a:effectRef>
+            <a:fontRef idx="minor">
+              <a:schemeClr val="tx1"/>
+            </a:fontRef>
+          </p:style>
+        </p:cxnSp>
+        <p:cxnSp>
+          <p:nvCxnSpPr>
+            <p:cNvPr id="52" name="Straight Connector 51"/>
+            <p:cNvCxnSpPr/>
+            <p:nvPr/>
+          </p:nvCxnSpPr>
+          <p:spPr>
+            <a:xfrm>
+              <a:off x="3215640" y="2917984"/>
+              <a:ext cx="152400" cy="38100"/>
+            </a:xfrm>
+            <a:prstGeom prst="line">
+              <a:avLst/>
+            </a:prstGeom>
+            <a:ln w="38100">
+              <a:solidFill>
+                <a:schemeClr val="tx1">
+                  <a:lumMod val="50000"/>
+                  <a:lumOff val="50000"/>
+                </a:schemeClr>
+              </a:solidFill>
+            </a:ln>
+          </p:spPr>
+          <p:style>
+            <a:lnRef idx="1">
+              <a:schemeClr val="accent1"/>
+            </a:lnRef>
+            <a:fillRef idx="0">
+              <a:schemeClr val="accent1"/>
+            </a:fillRef>
+            <a:effectRef idx="0">
+              <a:schemeClr val="accent1"/>
+            </a:effectRef>
+            <a:fontRef idx="minor">
+              <a:schemeClr val="tx1"/>
+            </a:fontRef>
+          </p:style>
+        </p:cxnSp>
+        <p:cxnSp>
+          <p:nvCxnSpPr>
+            <p:cNvPr id="53" name="Straight Connector 52"/>
+            <p:cNvCxnSpPr/>
+            <p:nvPr/>
+          </p:nvCxnSpPr>
+          <p:spPr>
+            <a:xfrm flipV="1">
+              <a:off x="3215640" y="2743200"/>
+              <a:ext cx="152400" cy="174784"/>
+            </a:xfrm>
+            <a:prstGeom prst="line">
+              <a:avLst/>
+            </a:prstGeom>
+            <a:ln w="38100">
+              <a:solidFill>
+                <a:schemeClr val="tx1">
+                  <a:lumMod val="50000"/>
+                  <a:lumOff val="50000"/>
+                  <a:alpha val="59000"/>
+                </a:schemeClr>
+              </a:solidFill>
+            </a:ln>
+          </p:spPr>
+          <p:style>
+            <a:lnRef idx="1">
+              <a:schemeClr val="accent1"/>
+            </a:lnRef>
+            <a:fillRef idx="0">
+              <a:schemeClr val="accent1"/>
+            </a:fillRef>
+            <a:effectRef idx="0">
+              <a:schemeClr val="accent1"/>
+            </a:effectRef>
+            <a:fontRef idx="minor">
+              <a:schemeClr val="tx1"/>
+            </a:fontRef>
+          </p:style>
+        </p:cxnSp>
+        <p:sp>
+          <p:nvSpPr>
+            <p:cNvPr id="54" name="Oval 53"/>
+            <p:cNvSpPr/>
+            <p:nvPr/>
+          </p:nvSpPr>
+          <p:spPr>
+            <a:xfrm>
+              <a:off x="3169920" y="2865120"/>
+              <a:ext cx="91440" cy="91440"/>
+            </a:xfrm>
+            <a:prstGeom prst="ellipse">
+              <a:avLst/>
+            </a:prstGeom>
+            <a:solidFill>
+              <a:schemeClr val="tx1">
+                <a:lumMod val="75000"/>
+                <a:lumOff val="25000"/>
+              </a:schemeClr>
+            </a:solidFill>
+            <a:ln w="63500">
+              <a:noFill/>
+            </a:ln>
+            <a:effectLst>
+              <a:outerShdw blurRad="50800" dist="38100" dir="5400000" algn="t" rotWithShape="0">
+                <a:prstClr val="black">
+                  <a:alpha val="40000"/>
+                </a:prstClr>
+              </a:outerShdw>
+            </a:effectLst>
+          </p:spPr>
+          <p:style>
+            <a:lnRef idx="2">
+              <a:schemeClr val="accent1">
+                <a:shade val="50000"/>
+              </a:schemeClr>
+            </a:lnRef>
+            <a:fillRef idx="1">
+              <a:schemeClr val="accent1"/>
+            </a:fillRef>
+            <a:effectRef idx="0">
+              <a:schemeClr val="accent1"/>
+            </a:effectRef>
+            <a:fontRef idx="minor">
+              <a:schemeClr val="lt1"/>
+            </a:fontRef>
+          </p:style>
+          <p:txBody>
+            <a:bodyPr rtlCol="0" anchor="ctr"/>
+            <a:lstStyle/>
+            <a:p>
+              <a:pPr algn="ctr"/>
+              <a:endParaRPr lang="en-US"/>
+            </a:p>
+          </p:txBody>
+        </p:sp>
+      </p:grpSp>
     </p:spTree>
     <p:extLst>
       <p:ext uri="{BB962C8B-B14F-4D97-AF65-F5344CB8AC3E}">
@@ -26256,50 +27787,98 @@
           <a:chExt cx="0" cy="0"/>
         </a:xfrm>
       </p:grpSpPr>
+      <p:sp>
+        <p:nvSpPr>
+          <p:cNvPr id="7" name="Rounded Rectangle 6"/>
+          <p:cNvSpPr/>
+          <p:nvPr/>
+        </p:nvSpPr>
+        <p:spPr>
+          <a:xfrm>
+            <a:off x="647700" y="659809"/>
+            <a:ext cx="3124200" cy="4724400"/>
+          </a:xfrm>
+          <a:prstGeom prst="roundRect">
+            <a:avLst>
+              <a:gd name="adj" fmla="val 0"/>
+            </a:avLst>
+          </a:prstGeom>
+          <a:solidFill>
+            <a:schemeClr val="tx1">
+              <a:lumMod val="85000"/>
+              <a:lumOff val="15000"/>
+            </a:schemeClr>
+          </a:solidFill>
+          <a:ln w="6350">
+            <a:solidFill>
+              <a:schemeClr val="tx1">
+                <a:lumMod val="50000"/>
+                <a:lumOff val="50000"/>
+              </a:schemeClr>
+            </a:solidFill>
+          </a:ln>
+        </p:spPr>
+        <p:style>
+          <a:lnRef idx="2">
+            <a:schemeClr val="accent1">
+              <a:shade val="50000"/>
+            </a:schemeClr>
+          </a:lnRef>
+          <a:fillRef idx="1">
+            <a:schemeClr val="accent1"/>
+          </a:fillRef>
+          <a:effectRef idx="0">
+            <a:schemeClr val="accent1"/>
+          </a:effectRef>
+          <a:fontRef idx="minor">
+            <a:schemeClr val="lt1"/>
+          </a:fontRef>
+        </p:style>
+        <p:txBody>
+          <a:bodyPr rtlCol="0" anchor="ctr"/>
+          <a:lstStyle/>
+          <a:p>
+            <a:pPr algn="ctr"/>
+            <a:endParaRPr lang="en-US" dirty="0"/>
+          </a:p>
+        </p:txBody>
+      </p:sp>
       <p:grpSp>
         <p:nvGrpSpPr>
-          <p:cNvPr id="4" name="Group 3"/>
+          <p:cNvPr id="9" name="Group 8"/>
           <p:cNvGrpSpPr/>
           <p:nvPr/>
         </p:nvGrpSpPr>
         <p:grpSpPr>
           <a:xfrm>
-            <a:off x="758190" y="771527"/>
-            <a:ext cx="3657600" cy="3657600"/>
-            <a:chOff x="2895600" y="2590800"/>
+            <a:off x="757597" y="780455"/>
+            <a:ext cx="365760" cy="365760"/>
+            <a:chOff x="3065526" y="4495800"/>
             <a:chExt cx="640080" cy="640080"/>
           </a:xfrm>
         </p:grpSpPr>
         <p:sp>
           <p:nvSpPr>
-            <p:cNvPr id="5" name="Oval 4"/>
+            <p:cNvPr id="10" name="Oval 9"/>
             <p:cNvSpPr/>
             <p:nvPr/>
           </p:nvSpPr>
           <p:spPr>
             <a:xfrm>
-              <a:off x="2895600" y="2590800"/>
+              <a:off x="3065526" y="4495800"/>
               <a:ext cx="640080" cy="640080"/>
             </a:xfrm>
             <a:prstGeom prst="ellipse">
               <a:avLst/>
             </a:prstGeom>
             <a:noFill/>
-            <a:ln w="571500">
+            <a:ln w="50800">
               <a:solidFill>
-                <a:schemeClr val="tx1">
+                <a:schemeClr val="accent2">
                   <a:lumMod val="50000"/>
-                  <a:lumOff val="50000"/>
                 </a:schemeClr>
               </a:solidFill>
             </a:ln>
-            <a:effectLst>
-              <a:outerShdw blurRad="457200" dist="38100" dir="5400000" sx="106000" sy="106000" algn="t" rotWithShape="0">
-                <a:prstClr val="black">
-                  <a:alpha val="30000"/>
-                </a:prstClr>
-              </a:outerShdw>
-            </a:effectLst>
           </p:spPr>
           <p:style>
             <a:lnRef idx="2">
@@ -26326,46 +27905,1114 @@
             </a:p>
           </p:txBody>
         </p:sp>
+        <p:grpSp>
+          <p:nvGrpSpPr>
+            <p:cNvPr id="11" name="Group 10"/>
+            <p:cNvGrpSpPr/>
+            <p:nvPr/>
+          </p:nvGrpSpPr>
+          <p:grpSpPr>
+            <a:xfrm>
+              <a:off x="3187731" y="4637031"/>
+              <a:ext cx="395669" cy="357617"/>
+              <a:chOff x="3291840" y="838200"/>
+              <a:chExt cx="901524" cy="843738"/>
+            </a:xfrm>
+            <a:effectLst>
+              <a:outerShdw blurRad="50800" dist="38100" dir="5400000" algn="t" rotWithShape="0">
+                <a:prstClr val="black">
+                  <a:alpha val="40000"/>
+                </a:prstClr>
+              </a:outerShdw>
+            </a:effectLst>
+          </p:grpSpPr>
+          <p:sp>
+            <p:nvSpPr>
+              <p:cNvPr id="12" name="Rectangle 11"/>
+              <p:cNvSpPr/>
+              <p:nvPr/>
+            </p:nvSpPr>
+            <p:spPr>
+              <a:xfrm>
+                <a:off x="3291840" y="838200"/>
+                <a:ext cx="890672" cy="152399"/>
+              </a:xfrm>
+              <a:prstGeom prst="rect">
+                <a:avLst/>
+              </a:prstGeom>
+              <a:solidFill>
+                <a:schemeClr val="accent2">
+                  <a:lumMod val="50000"/>
+                </a:schemeClr>
+              </a:solidFill>
+              <a:ln>
+                <a:noFill/>
+              </a:ln>
+            </p:spPr>
+            <p:style>
+              <a:lnRef idx="2">
+                <a:schemeClr val="accent1">
+                  <a:shade val="50000"/>
+                </a:schemeClr>
+              </a:lnRef>
+              <a:fillRef idx="1">
+                <a:schemeClr val="accent1"/>
+              </a:fillRef>
+              <a:effectRef idx="0">
+                <a:schemeClr val="accent1"/>
+              </a:effectRef>
+              <a:fontRef idx="minor">
+                <a:schemeClr val="lt1"/>
+              </a:fontRef>
+            </p:style>
+            <p:txBody>
+              <a:bodyPr rtlCol="0" anchor="ctr"/>
+              <a:lstStyle/>
+              <a:p>
+                <a:pPr algn="ctr"/>
+                <a:endParaRPr lang="en-US"/>
+              </a:p>
+            </p:txBody>
+          </p:sp>
+          <p:sp>
+            <p:nvSpPr>
+              <p:cNvPr id="13" name="Rectangle 12"/>
+              <p:cNvSpPr/>
+              <p:nvPr/>
+            </p:nvSpPr>
+            <p:spPr>
+              <a:xfrm>
+                <a:off x="3344746" y="1066801"/>
+                <a:ext cx="784859" cy="152399"/>
+              </a:xfrm>
+              <a:prstGeom prst="rect">
+                <a:avLst/>
+              </a:prstGeom>
+              <a:solidFill>
+                <a:schemeClr val="accent2">
+                  <a:lumMod val="75000"/>
+                </a:schemeClr>
+              </a:solidFill>
+              <a:ln>
+                <a:noFill/>
+              </a:ln>
+            </p:spPr>
+            <p:style>
+              <a:lnRef idx="2">
+                <a:schemeClr val="accent1">
+                  <a:shade val="50000"/>
+                </a:schemeClr>
+              </a:lnRef>
+              <a:fillRef idx="1">
+                <a:schemeClr val="accent1"/>
+              </a:fillRef>
+              <a:effectRef idx="0">
+                <a:schemeClr val="accent1"/>
+              </a:effectRef>
+              <a:fontRef idx="minor">
+                <a:schemeClr val="lt1"/>
+              </a:fontRef>
+            </p:style>
+            <p:txBody>
+              <a:bodyPr rtlCol="0" anchor="ctr"/>
+              <a:lstStyle/>
+              <a:p>
+                <a:pPr algn="ctr"/>
+                <a:endParaRPr lang="en-US"/>
+              </a:p>
+            </p:txBody>
+          </p:sp>
+          <p:sp>
+            <p:nvSpPr>
+              <p:cNvPr id="14" name="Rectangle 13"/>
+              <p:cNvSpPr/>
+              <p:nvPr/>
+            </p:nvSpPr>
+            <p:spPr>
+              <a:xfrm>
+                <a:off x="3344746" y="1287601"/>
+                <a:ext cx="784859" cy="152399"/>
+              </a:xfrm>
+              <a:prstGeom prst="rect">
+                <a:avLst/>
+              </a:prstGeom>
+              <a:solidFill>
+                <a:schemeClr val="accent2">
+                  <a:lumMod val="75000"/>
+                </a:schemeClr>
+              </a:solidFill>
+              <a:ln>
+                <a:noFill/>
+              </a:ln>
+            </p:spPr>
+            <p:style>
+              <a:lnRef idx="2">
+                <a:schemeClr val="accent1">
+                  <a:shade val="50000"/>
+                </a:schemeClr>
+              </a:lnRef>
+              <a:fillRef idx="1">
+                <a:schemeClr val="accent1"/>
+              </a:fillRef>
+              <a:effectRef idx="0">
+                <a:schemeClr val="accent1"/>
+              </a:effectRef>
+              <a:fontRef idx="minor">
+                <a:schemeClr val="lt1"/>
+              </a:fontRef>
+            </p:style>
+            <p:txBody>
+              <a:bodyPr rtlCol="0" anchor="ctr"/>
+              <a:lstStyle/>
+              <a:p>
+                <a:pPr algn="ctr"/>
+                <a:endParaRPr lang="en-US"/>
+              </a:p>
+            </p:txBody>
+          </p:sp>
+          <p:sp>
+            <p:nvSpPr>
+              <p:cNvPr id="15" name="Rectangle 14"/>
+              <p:cNvSpPr/>
+              <p:nvPr/>
+            </p:nvSpPr>
+            <p:spPr>
+              <a:xfrm>
+                <a:off x="3302692" y="1529539"/>
+                <a:ext cx="890672" cy="152399"/>
+              </a:xfrm>
+              <a:prstGeom prst="rect">
+                <a:avLst/>
+              </a:prstGeom>
+              <a:solidFill>
+                <a:schemeClr val="accent2">
+                  <a:lumMod val="50000"/>
+                </a:schemeClr>
+              </a:solidFill>
+              <a:ln>
+                <a:noFill/>
+              </a:ln>
+            </p:spPr>
+            <p:style>
+              <a:lnRef idx="2">
+                <a:schemeClr val="accent1">
+                  <a:shade val="50000"/>
+                </a:schemeClr>
+              </a:lnRef>
+              <a:fillRef idx="1">
+                <a:schemeClr val="accent1"/>
+              </a:fillRef>
+              <a:effectRef idx="0">
+                <a:schemeClr val="accent1"/>
+              </a:effectRef>
+              <a:fontRef idx="minor">
+                <a:schemeClr val="lt1"/>
+              </a:fontRef>
+            </p:style>
+            <p:txBody>
+              <a:bodyPr rtlCol="0" anchor="ctr"/>
+              <a:lstStyle/>
+              <a:p>
+                <a:pPr algn="ctr"/>
+                <a:endParaRPr lang="en-US"/>
+              </a:p>
+            </p:txBody>
+          </p:sp>
+        </p:grpSp>
+      </p:grpSp>
+      <p:cxnSp>
+        <p:nvCxnSpPr>
+          <p:cNvPr id="16" name="Straight Connector 15"/>
+          <p:cNvCxnSpPr/>
+          <p:nvPr/>
+        </p:nvCxnSpPr>
+        <p:spPr>
+          <a:xfrm>
+            <a:off x="721023" y="1200151"/>
+            <a:ext cx="2984583" cy="0"/>
+          </a:xfrm>
+          <a:prstGeom prst="line">
+            <a:avLst/>
+          </a:prstGeom>
+          <a:ln>
+            <a:solidFill>
+              <a:schemeClr val="tx1">
+                <a:lumMod val="65000"/>
+                <a:lumOff val="35000"/>
+              </a:schemeClr>
+            </a:solidFill>
+          </a:ln>
+          <a:effectLst>
+            <a:outerShdw blurRad="50800" dist="12700" dir="5400000" algn="t" rotWithShape="0">
+              <a:prstClr val="black">
+                <a:alpha val="40000"/>
+              </a:prstClr>
+            </a:outerShdw>
+          </a:effectLst>
+        </p:spPr>
+        <p:style>
+          <a:lnRef idx="1">
+            <a:schemeClr val="accent1"/>
+          </a:lnRef>
+          <a:fillRef idx="0">
+            <a:schemeClr val="accent1"/>
+          </a:fillRef>
+          <a:effectRef idx="0">
+            <a:schemeClr val="accent1"/>
+          </a:effectRef>
+          <a:fontRef idx="minor">
+            <a:schemeClr val="tx1"/>
+          </a:fontRef>
+        </p:style>
+      </p:cxnSp>
+      <p:sp>
+        <p:nvSpPr>
+          <p:cNvPr id="21" name="Snip and Round Single Corner Rectangle 20"/>
+          <p:cNvSpPr/>
+          <p:nvPr/>
+        </p:nvSpPr>
+        <p:spPr>
+          <a:xfrm>
+            <a:off x="2819400" y="924263"/>
+            <a:ext cx="762000" cy="266602"/>
+          </a:xfrm>
+          <a:prstGeom prst="snipRoundRect">
+            <a:avLst>
+              <a:gd name="adj1" fmla="val 16667"/>
+              <a:gd name="adj2" fmla="val 50000"/>
+            </a:avLst>
+          </a:prstGeom>
+          <a:solidFill>
+            <a:schemeClr val="tx1">
+              <a:lumMod val="50000"/>
+              <a:lumOff val="50000"/>
+            </a:schemeClr>
+          </a:solidFill>
+          <a:ln>
+            <a:solidFill>
+              <a:schemeClr val="tx1">
+                <a:lumMod val="50000"/>
+                <a:lumOff val="50000"/>
+              </a:schemeClr>
+            </a:solidFill>
+          </a:ln>
+          <a:effectLst>
+            <a:outerShdw blurRad="50800" dist="38100" algn="l" rotWithShape="0">
+              <a:prstClr val="black">
+                <a:alpha val="40000"/>
+              </a:prstClr>
+            </a:outerShdw>
+          </a:effectLst>
+        </p:spPr>
+        <p:style>
+          <a:lnRef idx="2">
+            <a:schemeClr val="accent1">
+              <a:shade val="50000"/>
+            </a:schemeClr>
+          </a:lnRef>
+          <a:fillRef idx="1">
+            <a:schemeClr val="accent1"/>
+          </a:fillRef>
+          <a:effectRef idx="0">
+            <a:schemeClr val="accent1"/>
+          </a:effectRef>
+          <a:fontRef idx="minor">
+            <a:schemeClr val="lt1"/>
+          </a:fontRef>
+        </p:style>
+        <p:txBody>
+          <a:bodyPr rtlCol="0" anchor="ctr"/>
+          <a:lstStyle/>
+          <a:p>
+            <a:pPr algn="ctr"/>
+            <a:r>
+              <a:rPr lang="en-US" sz="1000" dirty="0" smtClean="0"/>
+              <a:t>Options</a:t>
+            </a:r>
+            <a:endParaRPr lang="en-US" sz="1000" dirty="0"/>
+          </a:p>
+        </p:txBody>
+      </p:sp>
+      <p:sp>
+        <p:nvSpPr>
+          <p:cNvPr id="20" name="Snip and Round Single Corner Rectangle 19"/>
+          <p:cNvSpPr/>
+          <p:nvPr/>
+        </p:nvSpPr>
+        <p:spPr>
+          <a:xfrm>
+            <a:off x="2365714" y="927239"/>
+            <a:ext cx="762000" cy="266602"/>
+          </a:xfrm>
+          <a:prstGeom prst="snipRoundRect">
+            <a:avLst>
+              <a:gd name="adj1" fmla="val 16667"/>
+              <a:gd name="adj2" fmla="val 50000"/>
+            </a:avLst>
+          </a:prstGeom>
+          <a:solidFill>
+            <a:schemeClr val="tx1">
+              <a:lumMod val="50000"/>
+              <a:lumOff val="50000"/>
+            </a:schemeClr>
+          </a:solidFill>
+          <a:ln>
+            <a:solidFill>
+              <a:schemeClr val="tx1">
+                <a:lumMod val="50000"/>
+                <a:lumOff val="50000"/>
+              </a:schemeClr>
+            </a:solidFill>
+          </a:ln>
+          <a:effectLst>
+            <a:outerShdw blurRad="50800" dist="38100" algn="l" rotWithShape="0">
+              <a:prstClr val="black">
+                <a:alpha val="40000"/>
+              </a:prstClr>
+            </a:outerShdw>
+          </a:effectLst>
+        </p:spPr>
+        <p:style>
+          <a:lnRef idx="2">
+            <a:schemeClr val="accent1">
+              <a:shade val="50000"/>
+            </a:schemeClr>
+          </a:lnRef>
+          <a:fillRef idx="1">
+            <a:schemeClr val="accent1"/>
+          </a:fillRef>
+          <a:effectRef idx="0">
+            <a:schemeClr val="accent1"/>
+          </a:effectRef>
+          <a:fontRef idx="minor">
+            <a:schemeClr val="lt1"/>
+          </a:fontRef>
+        </p:style>
+        <p:txBody>
+          <a:bodyPr rtlCol="0" anchor="ctr"/>
+          <a:lstStyle/>
+          <a:p>
+            <a:pPr algn="ctr"/>
+            <a:r>
+              <a:rPr lang="en-US" sz="1000" dirty="0" smtClean="0"/>
+              <a:t>Range</a:t>
+            </a:r>
+            <a:endParaRPr lang="en-US" sz="1000" dirty="0"/>
+          </a:p>
+        </p:txBody>
+      </p:sp>
+      <p:sp>
+        <p:nvSpPr>
+          <p:cNvPr id="18" name="Snip and Round Single Corner Rectangle 17"/>
+          <p:cNvSpPr/>
+          <p:nvPr/>
+        </p:nvSpPr>
+        <p:spPr>
+          <a:xfrm>
+            <a:off x="1832314" y="927239"/>
+            <a:ext cx="762000" cy="266602"/>
+          </a:xfrm>
+          <a:prstGeom prst="snipRoundRect">
+            <a:avLst>
+              <a:gd name="adj1" fmla="val 16667"/>
+              <a:gd name="adj2" fmla="val 50000"/>
+            </a:avLst>
+          </a:prstGeom>
+          <a:solidFill>
+            <a:schemeClr val="tx1">
+              <a:lumMod val="50000"/>
+              <a:lumOff val="50000"/>
+            </a:schemeClr>
+          </a:solidFill>
+          <a:ln>
+            <a:solidFill>
+              <a:schemeClr val="tx1">
+                <a:lumMod val="50000"/>
+                <a:lumOff val="50000"/>
+              </a:schemeClr>
+            </a:solidFill>
+          </a:ln>
+          <a:effectLst>
+            <a:outerShdw blurRad="50800" dist="38100" algn="l" rotWithShape="0">
+              <a:prstClr val="black">
+                <a:alpha val="40000"/>
+              </a:prstClr>
+            </a:outerShdw>
+          </a:effectLst>
+        </p:spPr>
+        <p:style>
+          <a:lnRef idx="2">
+            <a:schemeClr val="accent1">
+              <a:shade val="50000"/>
+            </a:schemeClr>
+          </a:lnRef>
+          <a:fillRef idx="1">
+            <a:schemeClr val="accent1"/>
+          </a:fillRef>
+          <a:effectRef idx="0">
+            <a:schemeClr val="accent1"/>
+          </a:effectRef>
+          <a:fontRef idx="minor">
+            <a:schemeClr val="lt1"/>
+          </a:fontRef>
+        </p:style>
+        <p:txBody>
+          <a:bodyPr rtlCol="0" anchor="ctr"/>
+          <a:lstStyle/>
+          <a:p>
+            <a:pPr algn="ctr"/>
+            <a:r>
+              <a:rPr lang="en-US" sz="800" dirty="0" smtClean="0"/>
+              <a:t>Recurrence</a:t>
+            </a:r>
+            <a:endParaRPr lang="en-US" sz="800" dirty="0"/>
+          </a:p>
+        </p:txBody>
+      </p:sp>
+      <p:sp>
+        <p:nvSpPr>
+          <p:cNvPr id="3" name="Snip and Round Single Corner Rectangle 2"/>
+          <p:cNvSpPr/>
+          <p:nvPr/>
+        </p:nvSpPr>
+        <p:spPr>
+          <a:xfrm>
+            <a:off x="1289050" y="924502"/>
+            <a:ext cx="762000" cy="266602"/>
+          </a:xfrm>
+          <a:prstGeom prst="snipRoundRect">
+            <a:avLst>
+              <a:gd name="adj1" fmla="val 16667"/>
+              <a:gd name="adj2" fmla="val 50000"/>
+            </a:avLst>
+          </a:prstGeom>
+          <a:solidFill>
+            <a:schemeClr val="tx1">
+              <a:lumMod val="50000"/>
+              <a:lumOff val="50000"/>
+            </a:schemeClr>
+          </a:solidFill>
+          <a:ln>
+            <a:solidFill>
+              <a:schemeClr val="tx1">
+                <a:lumMod val="50000"/>
+                <a:lumOff val="50000"/>
+              </a:schemeClr>
+            </a:solidFill>
+          </a:ln>
+          <a:effectLst>
+            <a:outerShdw blurRad="50800" dist="38100" algn="l" rotWithShape="0">
+              <a:prstClr val="black">
+                <a:alpha val="40000"/>
+              </a:prstClr>
+            </a:outerShdw>
+          </a:effectLst>
+        </p:spPr>
+        <p:style>
+          <a:lnRef idx="2">
+            <a:schemeClr val="accent1">
+              <a:shade val="50000"/>
+            </a:schemeClr>
+          </a:lnRef>
+          <a:fillRef idx="1">
+            <a:schemeClr val="accent1"/>
+          </a:fillRef>
+          <a:effectRef idx="0">
+            <a:schemeClr val="accent1"/>
+          </a:effectRef>
+          <a:fontRef idx="minor">
+            <a:schemeClr val="lt1"/>
+          </a:fontRef>
+        </p:style>
+        <p:txBody>
+          <a:bodyPr rtlCol="0" anchor="ctr"/>
+          <a:lstStyle/>
+          <a:p>
+            <a:pPr algn="ctr"/>
+            <a:r>
+              <a:rPr lang="en-US" sz="1000" dirty="0" smtClean="0"/>
+              <a:t>Name</a:t>
+            </a:r>
+            <a:endParaRPr lang="en-US" sz="1000" dirty="0"/>
+          </a:p>
+        </p:txBody>
+      </p:sp>
+      <p:grpSp>
+        <p:nvGrpSpPr>
+          <p:cNvPr id="25" name="Group 24"/>
+          <p:cNvGrpSpPr/>
+          <p:nvPr/>
+        </p:nvGrpSpPr>
+        <p:grpSpPr>
+          <a:xfrm>
+            <a:off x="977325" y="1371600"/>
+            <a:ext cx="2527875" cy="246221"/>
+            <a:chOff x="977325" y="1371600"/>
+            <a:chExt cx="2527875" cy="246221"/>
+          </a:xfrm>
+        </p:grpSpPr>
         <p:cxnSp>
           <p:nvCxnSpPr>
-            <p:cNvPr id="6" name="Straight Connector 5"/>
+            <p:cNvPr id="23" name="Straight Connector 22"/>
             <p:cNvCxnSpPr/>
             <p:nvPr/>
           </p:nvCxnSpPr>
           <p:spPr>
             <a:xfrm>
-              <a:off x="3080723" y="2910840"/>
-              <a:ext cx="250583" cy="0"/>
+              <a:off x="1037535" y="1600200"/>
+              <a:ext cx="2467665" cy="0"/>
             </a:xfrm>
             <a:prstGeom prst="line">
               <a:avLst/>
             </a:prstGeom>
-            <a:ln w="381000">
+            <a:ln>
               <a:solidFill>
-                <a:schemeClr val="tx1">
-                  <a:lumMod val="50000"/>
-                  <a:lumOff val="50000"/>
+                <a:schemeClr val="bg1">
+                  <a:lumMod val="65000"/>
                 </a:schemeClr>
               </a:solidFill>
-              <a:headEnd type="stealth"/>
             </a:ln>
           </p:spPr>
           <p:style>
             <a:lnRef idx="1">
-              <a:schemeClr val="accent1"/>
+              <a:schemeClr val="dk1"/>
             </a:lnRef>
             <a:fillRef idx="0">
+              <a:schemeClr val="dk1"/>
+            </a:fillRef>
+            <a:effectRef idx="0">
+              <a:schemeClr val="dk1"/>
+            </a:effectRef>
+            <a:fontRef idx="minor">
+              <a:schemeClr val="tx1"/>
+            </a:fontRef>
+          </p:style>
+        </p:cxnSp>
+        <p:sp>
+          <p:nvSpPr>
+            <p:cNvPr id="24" name="TextBox 23"/>
+            <p:cNvSpPr txBox="1"/>
+            <p:nvPr/>
+          </p:nvSpPr>
+          <p:spPr>
+            <a:xfrm>
+              <a:off x="977325" y="1371600"/>
+              <a:ext cx="1080075" cy="246221"/>
+            </a:xfrm>
+            <a:prstGeom prst="rect">
+              <a:avLst/>
+            </a:prstGeom>
+            <a:noFill/>
+          </p:spPr>
+          <p:txBody>
+            <a:bodyPr wrap="square" rtlCol="0">
+              <a:spAutoFit/>
+            </a:bodyPr>
+            <a:lstStyle/>
+            <a:p>
+              <a:r>
+                <a:rPr lang="en-US" sz="1000" b="1" dirty="0" smtClean="0">
+                  <a:solidFill>
+                    <a:schemeClr val="bg1">
+                      <a:lumMod val="85000"/>
+                    </a:schemeClr>
+                  </a:solidFill>
+                  <a:latin typeface="Arabic Typesetting" panose="03020402040406030203" pitchFamily="66" charset="-78"/>
+                  <a:cs typeface="Arabic Typesetting" panose="03020402040406030203" pitchFamily="66" charset="-78"/>
+                </a:rPr>
+                <a:t>Name :</a:t>
+              </a:r>
+              <a:endParaRPr lang="en-US" sz="1000" b="1" dirty="0">
+                <a:solidFill>
+                  <a:schemeClr val="bg1">
+                    <a:lumMod val="85000"/>
+                  </a:schemeClr>
+                </a:solidFill>
+                <a:latin typeface="Arabic Typesetting" panose="03020402040406030203" pitchFamily="66" charset="-78"/>
+                <a:cs typeface="Arabic Typesetting" panose="03020402040406030203" pitchFamily="66" charset="-78"/>
+              </a:endParaRPr>
+            </a:p>
+          </p:txBody>
+        </p:sp>
+      </p:grpSp>
+      <p:grpSp>
+        <p:nvGrpSpPr>
+          <p:cNvPr id="26" name="Group 25"/>
+          <p:cNvGrpSpPr/>
+          <p:nvPr/>
+        </p:nvGrpSpPr>
+        <p:grpSpPr>
+          <a:xfrm>
+            <a:off x="977325" y="1752600"/>
+            <a:ext cx="2527875" cy="246221"/>
+            <a:chOff x="977325" y="1371600"/>
+            <a:chExt cx="2527875" cy="246221"/>
+          </a:xfrm>
+        </p:grpSpPr>
+        <p:cxnSp>
+          <p:nvCxnSpPr>
+            <p:cNvPr id="27" name="Straight Connector 26"/>
+            <p:cNvCxnSpPr/>
+            <p:nvPr/>
+          </p:nvCxnSpPr>
+          <p:spPr>
+            <a:xfrm>
+              <a:off x="1037535" y="1600200"/>
+              <a:ext cx="2467665" cy="0"/>
+            </a:xfrm>
+            <a:prstGeom prst="line">
+              <a:avLst/>
+            </a:prstGeom>
+            <a:ln>
+              <a:solidFill>
+                <a:schemeClr val="bg1">
+                  <a:lumMod val="65000"/>
+                </a:schemeClr>
+              </a:solidFill>
+            </a:ln>
+          </p:spPr>
+          <p:style>
+            <a:lnRef idx="1">
+              <a:schemeClr val="dk1"/>
+            </a:lnRef>
+            <a:fillRef idx="0">
+              <a:schemeClr val="dk1"/>
+            </a:fillRef>
+            <a:effectRef idx="0">
+              <a:schemeClr val="dk1"/>
+            </a:effectRef>
+            <a:fontRef idx="minor">
+              <a:schemeClr val="tx1"/>
+            </a:fontRef>
+          </p:style>
+        </p:cxnSp>
+        <p:sp>
+          <p:nvSpPr>
+            <p:cNvPr id="28" name="TextBox 27"/>
+            <p:cNvSpPr txBox="1"/>
+            <p:nvPr/>
+          </p:nvSpPr>
+          <p:spPr>
+            <a:xfrm>
+              <a:off x="977325" y="1371600"/>
+              <a:ext cx="1080075" cy="246221"/>
+            </a:xfrm>
+            <a:prstGeom prst="rect">
+              <a:avLst/>
+            </a:prstGeom>
+            <a:noFill/>
+          </p:spPr>
+          <p:txBody>
+            <a:bodyPr wrap="square" rtlCol="0">
+              <a:spAutoFit/>
+            </a:bodyPr>
+            <a:lstStyle/>
+            <a:p>
+              <a:r>
+                <a:rPr lang="en-US" sz="1000" b="1" dirty="0" smtClean="0">
+                  <a:solidFill>
+                    <a:schemeClr val="bg1">
+                      <a:lumMod val="85000"/>
+                    </a:schemeClr>
+                  </a:solidFill>
+                  <a:latin typeface="Arabic Typesetting" panose="03020402040406030203" pitchFamily="66" charset="-78"/>
+                  <a:cs typeface="Arabic Typesetting" panose="03020402040406030203" pitchFamily="66" charset="-78"/>
+                </a:rPr>
+                <a:t>Location:</a:t>
+              </a:r>
+              <a:endParaRPr lang="en-US" sz="1000" b="1" dirty="0">
+                <a:solidFill>
+                  <a:schemeClr val="bg1">
+                    <a:lumMod val="85000"/>
+                  </a:schemeClr>
+                </a:solidFill>
+                <a:latin typeface="Arabic Typesetting" panose="03020402040406030203" pitchFamily="66" charset="-78"/>
+                <a:cs typeface="Arabic Typesetting" panose="03020402040406030203" pitchFamily="66" charset="-78"/>
+              </a:endParaRPr>
+            </a:p>
+          </p:txBody>
+        </p:sp>
+      </p:grpSp>
+      <p:grpSp>
+        <p:nvGrpSpPr>
+          <p:cNvPr id="29" name="Group 28"/>
+          <p:cNvGrpSpPr/>
+          <p:nvPr/>
+        </p:nvGrpSpPr>
+        <p:grpSpPr>
+          <a:xfrm>
+            <a:off x="990600" y="2209800"/>
+            <a:ext cx="2527875" cy="246221"/>
+            <a:chOff x="977325" y="1371600"/>
+            <a:chExt cx="2527875" cy="246221"/>
+          </a:xfrm>
+        </p:grpSpPr>
+        <p:cxnSp>
+          <p:nvCxnSpPr>
+            <p:cNvPr id="30" name="Straight Connector 29"/>
+            <p:cNvCxnSpPr/>
+            <p:nvPr/>
+          </p:nvCxnSpPr>
+          <p:spPr>
+            <a:xfrm>
+              <a:off x="1037535" y="1600200"/>
+              <a:ext cx="2467665" cy="0"/>
+            </a:xfrm>
+            <a:prstGeom prst="line">
+              <a:avLst/>
+            </a:prstGeom>
+            <a:ln>
+              <a:solidFill>
+                <a:schemeClr val="bg1">
+                  <a:lumMod val="65000"/>
+                </a:schemeClr>
+              </a:solidFill>
+            </a:ln>
+          </p:spPr>
+          <p:style>
+            <a:lnRef idx="1">
+              <a:schemeClr val="dk1"/>
+            </a:lnRef>
+            <a:fillRef idx="0">
+              <a:schemeClr val="dk1"/>
+            </a:fillRef>
+            <a:effectRef idx="0">
+              <a:schemeClr val="dk1"/>
+            </a:effectRef>
+            <a:fontRef idx="minor">
+              <a:schemeClr val="tx1"/>
+            </a:fontRef>
+          </p:style>
+        </p:cxnSp>
+        <p:sp>
+          <p:nvSpPr>
+            <p:cNvPr id="31" name="TextBox 30"/>
+            <p:cNvSpPr txBox="1"/>
+            <p:nvPr/>
+          </p:nvSpPr>
+          <p:spPr>
+            <a:xfrm>
+              <a:off x="977325" y="1371600"/>
+              <a:ext cx="1172265" cy="246221"/>
+            </a:xfrm>
+            <a:prstGeom prst="rect">
+              <a:avLst/>
+            </a:prstGeom>
+            <a:noFill/>
+          </p:spPr>
+          <p:txBody>
+            <a:bodyPr wrap="square" rtlCol="0">
+              <a:spAutoFit/>
+            </a:bodyPr>
+            <a:lstStyle/>
+            <a:p>
+              <a:r>
+                <a:rPr lang="en-US" sz="1000" b="1" dirty="0" smtClean="0">
+                  <a:solidFill>
+                    <a:schemeClr val="bg1">
+                      <a:lumMod val="85000"/>
+                    </a:schemeClr>
+                  </a:solidFill>
+                  <a:latin typeface="Arabic Typesetting" panose="03020402040406030203" pitchFamily="66" charset="-78"/>
+                  <a:cs typeface="Arabic Typesetting" panose="03020402040406030203" pitchFamily="66" charset="-78"/>
+                </a:rPr>
+                <a:t>Location Tag/Nick Name:</a:t>
+              </a:r>
+              <a:endParaRPr lang="en-US" sz="1000" b="1" dirty="0">
+                <a:solidFill>
+                  <a:schemeClr val="bg1">
+                    <a:lumMod val="85000"/>
+                  </a:schemeClr>
+                </a:solidFill>
+                <a:latin typeface="Arabic Typesetting" panose="03020402040406030203" pitchFamily="66" charset="-78"/>
+                <a:cs typeface="Arabic Typesetting" panose="03020402040406030203" pitchFamily="66" charset="-78"/>
+              </a:endParaRPr>
+            </a:p>
+          </p:txBody>
+        </p:sp>
+      </p:grpSp>
+      <p:sp>
+        <p:nvSpPr>
+          <p:cNvPr id="71" name="Rectangle 70"/>
+          <p:cNvSpPr/>
+          <p:nvPr/>
+        </p:nvSpPr>
+        <p:spPr>
+          <a:xfrm>
+            <a:off x="1219200" y="3886200"/>
+            <a:ext cx="2209800" cy="304800"/>
+          </a:xfrm>
+          <a:prstGeom prst="rect">
+            <a:avLst/>
+          </a:prstGeom>
+          <a:solidFill>
+            <a:schemeClr val="bg1">
+              <a:lumMod val="75000"/>
+            </a:schemeClr>
+          </a:solidFill>
+          <a:ln>
+            <a:noFill/>
+          </a:ln>
+        </p:spPr>
+        <p:style>
+          <a:lnRef idx="2">
+            <a:schemeClr val="accent1">
+              <a:shade val="50000"/>
+            </a:schemeClr>
+          </a:lnRef>
+          <a:fillRef idx="1">
+            <a:schemeClr val="accent1"/>
+          </a:fillRef>
+          <a:effectRef idx="0">
+            <a:schemeClr val="accent1"/>
+          </a:effectRef>
+          <a:fontRef idx="minor">
+            <a:schemeClr val="lt1"/>
+          </a:fontRef>
+        </p:style>
+        <p:txBody>
+          <a:bodyPr rtlCol="0" anchor="ctr"/>
+          <a:lstStyle/>
+          <a:p>
+            <a:pPr algn="ctr"/>
+            <a:r>
+              <a:rPr lang="en-US" dirty="0" smtClean="0">
+                <a:solidFill>
+                  <a:schemeClr val="tx1">
+                    <a:lumMod val="95000"/>
+                    <a:lumOff val="5000"/>
+                  </a:schemeClr>
+                </a:solidFill>
+              </a:rPr>
+              <a:t>Next</a:t>
+            </a:r>
+            <a:endParaRPr lang="en-US" dirty="0">
+              <a:solidFill>
+                <a:schemeClr val="tx1">
+                  <a:lumMod val="95000"/>
+                  <a:lumOff val="5000"/>
+                </a:schemeClr>
+              </a:solidFill>
+            </a:endParaRPr>
+          </a:p>
+        </p:txBody>
+      </p:sp>
+      <p:grpSp>
+        <p:nvGrpSpPr>
+          <p:cNvPr id="92" name="Group 91"/>
+          <p:cNvGrpSpPr/>
+          <p:nvPr/>
+        </p:nvGrpSpPr>
+        <p:grpSpPr>
+          <a:xfrm>
+            <a:off x="1053525" y="2971800"/>
+            <a:ext cx="2350677" cy="246221"/>
+            <a:chOff x="4584348" y="1963579"/>
+            <a:chExt cx="2350677" cy="246221"/>
+          </a:xfrm>
+        </p:grpSpPr>
+        <p:sp>
+          <p:nvSpPr>
+            <p:cNvPr id="93" name="Rectangle 92"/>
+            <p:cNvSpPr/>
+            <p:nvPr/>
+          </p:nvSpPr>
+          <p:spPr>
+            <a:xfrm>
+              <a:off x="4584348" y="2028109"/>
+              <a:ext cx="140051" cy="123111"/>
+            </a:xfrm>
+            <a:prstGeom prst="rect">
+              <a:avLst/>
+            </a:prstGeom>
+            <a:solidFill>
+              <a:schemeClr val="bg1">
+                <a:lumMod val="85000"/>
+              </a:schemeClr>
+            </a:solidFill>
+            <a:ln>
+              <a:noFill/>
+            </a:ln>
+          </p:spPr>
+          <p:style>
+            <a:lnRef idx="2">
+              <a:schemeClr val="accent1">
+                <a:shade val="50000"/>
+              </a:schemeClr>
+            </a:lnRef>
+            <a:fillRef idx="1">
               <a:schemeClr val="accent1"/>
             </a:fillRef>
             <a:effectRef idx="0">
               <a:schemeClr val="accent1"/>
             </a:effectRef>
             <a:fontRef idx="minor">
-              <a:schemeClr val="tx1"/>
+              <a:schemeClr val="lt1"/>
             </a:fontRef>
           </p:style>
-        </p:cxnSp>
+          <p:txBody>
+            <a:bodyPr rtlCol="0" anchor="ctr"/>
+            <a:lstStyle/>
+            <a:p>
+              <a:pPr algn="ctr"/>
+              <a:endParaRPr lang="en-US"/>
+            </a:p>
+          </p:txBody>
+        </p:sp>
+        <p:sp>
+          <p:nvSpPr>
+            <p:cNvPr id="94" name="TextBox 93"/>
+            <p:cNvSpPr txBox="1"/>
+            <p:nvPr/>
+          </p:nvSpPr>
+          <p:spPr>
+            <a:xfrm>
+              <a:off x="4802695" y="1963579"/>
+              <a:ext cx="2132330" cy="246221"/>
+            </a:xfrm>
+            <a:prstGeom prst="rect">
+              <a:avLst/>
+            </a:prstGeom>
+            <a:noFill/>
+          </p:spPr>
+          <p:txBody>
+            <a:bodyPr wrap="square" rtlCol="0">
+              <a:spAutoFit/>
+            </a:bodyPr>
+            <a:lstStyle/>
+            <a:p>
+              <a:r>
+                <a:rPr lang="en-US" sz="1000" dirty="0" smtClean="0">
+                  <a:solidFill>
+                    <a:schemeClr val="bg1">
+                      <a:lumMod val="85000"/>
+                    </a:schemeClr>
+                  </a:solidFill>
+                </a:rPr>
+                <a:t>Allow Auto Scheduling</a:t>
+              </a:r>
+              <a:endParaRPr lang="en-US" sz="1000" dirty="0">
+                <a:solidFill>
+                  <a:schemeClr val="bg1">
+                    <a:lumMod val="85000"/>
+                  </a:schemeClr>
+                </a:solidFill>
+              </a:endParaRPr>
+            </a:p>
+          </p:txBody>
+        </p:sp>
       </p:grpSp>
+      <p:sp>
+        <p:nvSpPr>
+          <p:cNvPr id="98" name="Rectangle 97"/>
+          <p:cNvSpPr/>
+          <p:nvPr/>
+        </p:nvSpPr>
+        <p:spPr>
+          <a:xfrm rot="5400000">
+            <a:off x="1017411" y="2649558"/>
+            <a:ext cx="196290" cy="156041"/>
+          </a:xfrm>
+          <a:prstGeom prst="rect">
+            <a:avLst/>
+          </a:prstGeom>
+          <a:gradFill>
+            <a:gsLst>
+              <a:gs pos="0">
+                <a:srgbClr val="A603AB"/>
+              </a:gs>
+              <a:gs pos="21001">
+                <a:srgbClr val="0819FB"/>
+              </a:gs>
+              <a:gs pos="35001">
+                <a:srgbClr val="1A8D48"/>
+              </a:gs>
+              <a:gs pos="52000">
+                <a:srgbClr val="FFFF00"/>
+              </a:gs>
+              <a:gs pos="73000">
+                <a:srgbClr val="EE3F17"/>
+              </a:gs>
+              <a:gs pos="88000">
+                <a:srgbClr val="E81766"/>
+              </a:gs>
+              <a:gs pos="100000">
+                <a:srgbClr val="A603AB"/>
+              </a:gs>
+            </a:gsLst>
+            <a:lin ang="5400000" scaled="0"/>
+          </a:gradFill>
+          <a:ln>
+            <a:noFill/>
+          </a:ln>
+        </p:spPr>
+        <p:style>
+          <a:lnRef idx="2">
+            <a:schemeClr val="accent1">
+              <a:shade val="50000"/>
+            </a:schemeClr>
+          </a:lnRef>
+          <a:fillRef idx="1">
+            <a:schemeClr val="accent1"/>
+          </a:fillRef>
+          <a:effectRef idx="0">
+            <a:schemeClr val="accent1"/>
+          </a:effectRef>
+          <a:fontRef idx="minor">
+            <a:schemeClr val="lt1"/>
+          </a:fontRef>
+        </p:style>
+        <p:txBody>
+          <a:bodyPr rtlCol="0" anchor="ctr"/>
+          <a:lstStyle/>
+          <a:p>
+            <a:pPr algn="ctr"/>
+            <a:endParaRPr lang="en-US" dirty="0"/>
+          </a:p>
+        </p:txBody>
+      </p:sp>
+      <p:sp>
+        <p:nvSpPr>
+          <p:cNvPr id="99" name="TextBox 98"/>
+          <p:cNvSpPr txBox="1"/>
+          <p:nvPr/>
+        </p:nvSpPr>
+        <p:spPr>
+          <a:xfrm>
+            <a:off x="1289050" y="2604467"/>
+            <a:ext cx="2132330" cy="246221"/>
+          </a:xfrm>
+          <a:prstGeom prst="rect">
+            <a:avLst/>
+          </a:prstGeom>
+          <a:noFill/>
+        </p:spPr>
+        <p:txBody>
+          <a:bodyPr wrap="square" rtlCol="0">
+            <a:spAutoFit/>
+          </a:bodyPr>
+          <a:lstStyle/>
+          <a:p>
+            <a:r>
+              <a:rPr lang="en-US" sz="1000" dirty="0" smtClean="0">
+                <a:solidFill>
+                  <a:schemeClr val="bg1">
+                    <a:lumMod val="85000"/>
+                  </a:schemeClr>
+                </a:solidFill>
+              </a:rPr>
+              <a:t>Select Color</a:t>
+            </a:r>
+            <a:endParaRPr lang="en-US" sz="1000" dirty="0">
+              <a:solidFill>
+                <a:schemeClr val="bg1">
+                  <a:lumMod val="85000"/>
+                </a:schemeClr>
+              </a:solidFill>
+            </a:endParaRPr>
+          </a:p>
+        </p:txBody>
+      </p:sp>
     </p:spTree>
     <p:extLst>
       <p:ext uri="{BB962C8B-B14F-4D97-AF65-F5344CB8AC3E}">
@@ -26396,34 +29043,705 @@
           <a:chExt cx="0" cy="0"/>
         </a:xfrm>
       </p:grpSpPr>
+      <p:grpSp>
+        <p:nvGrpSpPr>
+          <p:cNvPr id="4" name="Group 3"/>
+          <p:cNvGrpSpPr/>
+          <p:nvPr/>
+        </p:nvGrpSpPr>
+        <p:grpSpPr>
+          <a:xfrm>
+            <a:off x="1524000" y="659809"/>
+            <a:ext cx="3124200" cy="4724400"/>
+            <a:chOff x="4191000" y="659809"/>
+            <a:chExt cx="3124200" cy="4724400"/>
+          </a:xfrm>
+        </p:grpSpPr>
+        <p:sp>
+          <p:nvSpPr>
+            <p:cNvPr id="5" name="Rounded Rectangle 4"/>
+            <p:cNvSpPr/>
+            <p:nvPr/>
+          </p:nvSpPr>
+          <p:spPr>
+            <a:xfrm>
+              <a:off x="4191000" y="659809"/>
+              <a:ext cx="3124200" cy="4724400"/>
+            </a:xfrm>
+            <a:prstGeom prst="roundRect">
+              <a:avLst>
+                <a:gd name="adj" fmla="val 0"/>
+              </a:avLst>
+            </a:prstGeom>
+            <a:solidFill>
+              <a:schemeClr val="tx1">
+                <a:lumMod val="85000"/>
+                <a:lumOff val="15000"/>
+              </a:schemeClr>
+            </a:solidFill>
+            <a:ln w="6350">
+              <a:solidFill>
+                <a:schemeClr val="tx1">
+                  <a:lumMod val="50000"/>
+                  <a:lumOff val="50000"/>
+                </a:schemeClr>
+              </a:solidFill>
+            </a:ln>
+          </p:spPr>
+          <p:style>
+            <a:lnRef idx="2">
+              <a:schemeClr val="accent1">
+                <a:shade val="50000"/>
+              </a:schemeClr>
+            </a:lnRef>
+            <a:fillRef idx="1">
+              <a:schemeClr val="accent1"/>
+            </a:fillRef>
+            <a:effectRef idx="0">
+              <a:schemeClr val="accent1"/>
+            </a:effectRef>
+            <a:fontRef idx="minor">
+              <a:schemeClr val="lt1"/>
+            </a:fontRef>
+          </p:style>
+          <p:txBody>
+            <a:bodyPr rtlCol="0" anchor="ctr"/>
+            <a:lstStyle/>
+            <a:p>
+              <a:pPr algn="ctr"/>
+              <a:endParaRPr lang="en-US" dirty="0"/>
+            </a:p>
+          </p:txBody>
+        </p:sp>
+        <p:grpSp>
+          <p:nvGrpSpPr>
+            <p:cNvPr id="6" name="Group 5"/>
+            <p:cNvGrpSpPr/>
+            <p:nvPr/>
+          </p:nvGrpSpPr>
+          <p:grpSpPr>
+            <a:xfrm>
+              <a:off x="4300897" y="780455"/>
+              <a:ext cx="365760" cy="365760"/>
+              <a:chOff x="3065526" y="4495800"/>
+              <a:chExt cx="640080" cy="640080"/>
+            </a:xfrm>
+          </p:grpSpPr>
+          <p:sp>
+            <p:nvSpPr>
+              <p:cNvPr id="12" name="Oval 11"/>
+              <p:cNvSpPr/>
+              <p:nvPr/>
+            </p:nvSpPr>
+            <p:spPr>
+              <a:xfrm>
+                <a:off x="3065526" y="4495800"/>
+                <a:ext cx="640080" cy="640080"/>
+              </a:xfrm>
+              <a:prstGeom prst="ellipse">
+                <a:avLst/>
+              </a:prstGeom>
+              <a:noFill/>
+              <a:ln w="50800">
+                <a:solidFill>
+                  <a:schemeClr val="accent2">
+                    <a:lumMod val="50000"/>
+                  </a:schemeClr>
+                </a:solidFill>
+              </a:ln>
+            </p:spPr>
+            <p:style>
+              <a:lnRef idx="2">
+                <a:schemeClr val="accent1">
+                  <a:shade val="50000"/>
+                </a:schemeClr>
+              </a:lnRef>
+              <a:fillRef idx="1">
+                <a:schemeClr val="accent1"/>
+              </a:fillRef>
+              <a:effectRef idx="0">
+                <a:schemeClr val="accent1"/>
+              </a:effectRef>
+              <a:fontRef idx="minor">
+                <a:schemeClr val="lt1"/>
+              </a:fontRef>
+            </p:style>
+            <p:txBody>
+              <a:bodyPr rtlCol="0" anchor="ctr"/>
+              <a:lstStyle/>
+              <a:p>
+                <a:pPr algn="ctr"/>
+                <a:endParaRPr lang="en-US"/>
+              </a:p>
+            </p:txBody>
+          </p:sp>
+          <p:grpSp>
+            <p:nvGrpSpPr>
+              <p:cNvPr id="13" name="Group 12"/>
+              <p:cNvGrpSpPr/>
+              <p:nvPr/>
+            </p:nvGrpSpPr>
+            <p:grpSpPr>
+              <a:xfrm>
+                <a:off x="3187731" y="4637031"/>
+                <a:ext cx="395669" cy="357617"/>
+                <a:chOff x="3291840" y="838200"/>
+                <a:chExt cx="901524" cy="843738"/>
+              </a:xfrm>
+              <a:effectLst>
+                <a:outerShdw blurRad="50800" dist="38100" dir="5400000" algn="t" rotWithShape="0">
+                  <a:prstClr val="black">
+                    <a:alpha val="40000"/>
+                  </a:prstClr>
+                </a:outerShdw>
+              </a:effectLst>
+            </p:grpSpPr>
+            <p:sp>
+              <p:nvSpPr>
+                <p:cNvPr id="14" name="Rectangle 13"/>
+                <p:cNvSpPr/>
+                <p:nvPr/>
+              </p:nvSpPr>
+              <p:spPr>
+                <a:xfrm>
+                  <a:off x="3291840" y="838200"/>
+                  <a:ext cx="890672" cy="152399"/>
+                </a:xfrm>
+                <a:prstGeom prst="rect">
+                  <a:avLst/>
+                </a:prstGeom>
+                <a:solidFill>
+                  <a:schemeClr val="accent2">
+                    <a:lumMod val="50000"/>
+                  </a:schemeClr>
+                </a:solidFill>
+                <a:ln>
+                  <a:noFill/>
+                </a:ln>
+              </p:spPr>
+              <p:style>
+                <a:lnRef idx="2">
+                  <a:schemeClr val="accent1">
+                    <a:shade val="50000"/>
+                  </a:schemeClr>
+                </a:lnRef>
+                <a:fillRef idx="1">
+                  <a:schemeClr val="accent1"/>
+                </a:fillRef>
+                <a:effectRef idx="0">
+                  <a:schemeClr val="accent1"/>
+                </a:effectRef>
+                <a:fontRef idx="minor">
+                  <a:schemeClr val="lt1"/>
+                </a:fontRef>
+              </p:style>
+              <p:txBody>
+                <a:bodyPr rtlCol="0" anchor="ctr"/>
+                <a:lstStyle/>
+                <a:p>
+                  <a:pPr algn="ctr"/>
+                  <a:endParaRPr lang="en-US"/>
+                </a:p>
+              </p:txBody>
+            </p:sp>
+            <p:sp>
+              <p:nvSpPr>
+                <p:cNvPr id="15" name="Rectangle 14"/>
+                <p:cNvSpPr/>
+                <p:nvPr/>
+              </p:nvSpPr>
+              <p:spPr>
+                <a:xfrm>
+                  <a:off x="3344746" y="1066801"/>
+                  <a:ext cx="784859" cy="152399"/>
+                </a:xfrm>
+                <a:prstGeom prst="rect">
+                  <a:avLst/>
+                </a:prstGeom>
+                <a:solidFill>
+                  <a:schemeClr val="accent2">
+                    <a:lumMod val="75000"/>
+                  </a:schemeClr>
+                </a:solidFill>
+                <a:ln>
+                  <a:noFill/>
+                </a:ln>
+              </p:spPr>
+              <p:style>
+                <a:lnRef idx="2">
+                  <a:schemeClr val="accent1">
+                    <a:shade val="50000"/>
+                  </a:schemeClr>
+                </a:lnRef>
+                <a:fillRef idx="1">
+                  <a:schemeClr val="accent1"/>
+                </a:fillRef>
+                <a:effectRef idx="0">
+                  <a:schemeClr val="accent1"/>
+                </a:effectRef>
+                <a:fontRef idx="minor">
+                  <a:schemeClr val="lt1"/>
+                </a:fontRef>
+              </p:style>
+              <p:txBody>
+                <a:bodyPr rtlCol="0" anchor="ctr"/>
+                <a:lstStyle/>
+                <a:p>
+                  <a:pPr algn="ctr"/>
+                  <a:endParaRPr lang="en-US"/>
+                </a:p>
+              </p:txBody>
+            </p:sp>
+            <p:sp>
+              <p:nvSpPr>
+                <p:cNvPr id="16" name="Rectangle 15"/>
+                <p:cNvSpPr/>
+                <p:nvPr/>
+              </p:nvSpPr>
+              <p:spPr>
+                <a:xfrm>
+                  <a:off x="3344746" y="1287601"/>
+                  <a:ext cx="784859" cy="152399"/>
+                </a:xfrm>
+                <a:prstGeom prst="rect">
+                  <a:avLst/>
+                </a:prstGeom>
+                <a:solidFill>
+                  <a:schemeClr val="accent2">
+                    <a:lumMod val="75000"/>
+                  </a:schemeClr>
+                </a:solidFill>
+                <a:ln>
+                  <a:noFill/>
+                </a:ln>
+              </p:spPr>
+              <p:style>
+                <a:lnRef idx="2">
+                  <a:schemeClr val="accent1">
+                    <a:shade val="50000"/>
+                  </a:schemeClr>
+                </a:lnRef>
+                <a:fillRef idx="1">
+                  <a:schemeClr val="accent1"/>
+                </a:fillRef>
+                <a:effectRef idx="0">
+                  <a:schemeClr val="accent1"/>
+                </a:effectRef>
+                <a:fontRef idx="minor">
+                  <a:schemeClr val="lt1"/>
+                </a:fontRef>
+              </p:style>
+              <p:txBody>
+                <a:bodyPr rtlCol="0" anchor="ctr"/>
+                <a:lstStyle/>
+                <a:p>
+                  <a:pPr algn="ctr"/>
+                  <a:endParaRPr lang="en-US"/>
+                </a:p>
+              </p:txBody>
+            </p:sp>
+            <p:sp>
+              <p:nvSpPr>
+                <p:cNvPr id="17" name="Rectangle 16"/>
+                <p:cNvSpPr/>
+                <p:nvPr/>
+              </p:nvSpPr>
+              <p:spPr>
+                <a:xfrm>
+                  <a:off x="3302692" y="1529539"/>
+                  <a:ext cx="890672" cy="152399"/>
+                </a:xfrm>
+                <a:prstGeom prst="rect">
+                  <a:avLst/>
+                </a:prstGeom>
+                <a:solidFill>
+                  <a:schemeClr val="accent2">
+                    <a:lumMod val="50000"/>
+                  </a:schemeClr>
+                </a:solidFill>
+                <a:ln>
+                  <a:noFill/>
+                </a:ln>
+              </p:spPr>
+              <p:style>
+                <a:lnRef idx="2">
+                  <a:schemeClr val="accent1">
+                    <a:shade val="50000"/>
+                  </a:schemeClr>
+                </a:lnRef>
+                <a:fillRef idx="1">
+                  <a:schemeClr val="accent1"/>
+                </a:fillRef>
+                <a:effectRef idx="0">
+                  <a:schemeClr val="accent1"/>
+                </a:effectRef>
+                <a:fontRef idx="minor">
+                  <a:schemeClr val="lt1"/>
+                </a:fontRef>
+              </p:style>
+              <p:txBody>
+                <a:bodyPr rtlCol="0" anchor="ctr"/>
+                <a:lstStyle/>
+                <a:p>
+                  <a:pPr algn="ctr"/>
+                  <a:endParaRPr lang="en-US"/>
+                </a:p>
+              </p:txBody>
+            </p:sp>
+          </p:grpSp>
+        </p:grpSp>
+        <p:cxnSp>
+          <p:nvCxnSpPr>
+            <p:cNvPr id="7" name="Straight Connector 6"/>
+            <p:cNvCxnSpPr/>
+            <p:nvPr/>
+          </p:nvCxnSpPr>
+          <p:spPr>
+            <a:xfrm>
+              <a:off x="4264323" y="1200151"/>
+              <a:ext cx="2984583" cy="0"/>
+            </a:xfrm>
+            <a:prstGeom prst="line">
+              <a:avLst/>
+            </a:prstGeom>
+            <a:ln>
+              <a:solidFill>
+                <a:schemeClr val="tx1">
+                  <a:lumMod val="65000"/>
+                  <a:lumOff val="35000"/>
+                </a:schemeClr>
+              </a:solidFill>
+            </a:ln>
+            <a:effectLst>
+              <a:outerShdw blurRad="50800" dist="12700" dir="5400000" algn="t" rotWithShape="0">
+                <a:prstClr val="black">
+                  <a:alpha val="40000"/>
+                </a:prstClr>
+              </a:outerShdw>
+            </a:effectLst>
+          </p:spPr>
+          <p:style>
+            <a:lnRef idx="1">
+              <a:schemeClr val="accent1"/>
+            </a:lnRef>
+            <a:fillRef idx="0">
+              <a:schemeClr val="accent1"/>
+            </a:fillRef>
+            <a:effectRef idx="0">
+              <a:schemeClr val="accent1"/>
+            </a:effectRef>
+            <a:fontRef idx="minor">
+              <a:schemeClr val="tx1"/>
+            </a:fontRef>
+          </p:style>
+        </p:cxnSp>
+        <p:sp>
+          <p:nvSpPr>
+            <p:cNvPr id="8" name="Snip and Round Single Corner Rectangle 7"/>
+            <p:cNvSpPr/>
+            <p:nvPr/>
+          </p:nvSpPr>
+          <p:spPr>
+            <a:xfrm>
+              <a:off x="6362700" y="924263"/>
+              <a:ext cx="762000" cy="266602"/>
+            </a:xfrm>
+            <a:prstGeom prst="snipRoundRect">
+              <a:avLst>
+                <a:gd name="adj1" fmla="val 16667"/>
+                <a:gd name="adj2" fmla="val 50000"/>
+              </a:avLst>
+            </a:prstGeom>
+            <a:solidFill>
+              <a:schemeClr val="tx1">
+                <a:lumMod val="50000"/>
+                <a:lumOff val="50000"/>
+              </a:schemeClr>
+            </a:solidFill>
+            <a:ln>
+              <a:solidFill>
+                <a:schemeClr val="tx1">
+                  <a:lumMod val="50000"/>
+                  <a:lumOff val="50000"/>
+                </a:schemeClr>
+              </a:solidFill>
+            </a:ln>
+            <a:effectLst>
+              <a:outerShdw blurRad="50800" dist="38100" algn="l" rotWithShape="0">
+                <a:prstClr val="black">
+                  <a:alpha val="40000"/>
+                </a:prstClr>
+              </a:outerShdw>
+            </a:effectLst>
+          </p:spPr>
+          <p:style>
+            <a:lnRef idx="2">
+              <a:schemeClr val="accent1">
+                <a:shade val="50000"/>
+              </a:schemeClr>
+            </a:lnRef>
+            <a:fillRef idx="1">
+              <a:schemeClr val="accent1"/>
+            </a:fillRef>
+            <a:effectRef idx="0">
+              <a:schemeClr val="accent1"/>
+            </a:effectRef>
+            <a:fontRef idx="minor">
+              <a:schemeClr val="lt1"/>
+            </a:fontRef>
+          </p:style>
+          <p:txBody>
+            <a:bodyPr rtlCol="0" anchor="ctr"/>
+            <a:lstStyle/>
+            <a:p>
+              <a:pPr algn="ctr"/>
+              <a:r>
+                <a:rPr lang="en-US" sz="1000" dirty="0" smtClean="0"/>
+                <a:t>Options</a:t>
+              </a:r>
+              <a:endParaRPr lang="en-US" sz="1000" dirty="0"/>
+            </a:p>
+          </p:txBody>
+        </p:sp>
+        <p:sp>
+          <p:nvSpPr>
+            <p:cNvPr id="9" name="Snip and Round Single Corner Rectangle 8"/>
+            <p:cNvSpPr/>
+            <p:nvPr/>
+          </p:nvSpPr>
+          <p:spPr>
+            <a:xfrm>
+              <a:off x="5909014" y="927239"/>
+              <a:ext cx="762000" cy="266602"/>
+            </a:xfrm>
+            <a:prstGeom prst="snipRoundRect">
+              <a:avLst>
+                <a:gd name="adj1" fmla="val 16667"/>
+                <a:gd name="adj2" fmla="val 50000"/>
+              </a:avLst>
+            </a:prstGeom>
+            <a:solidFill>
+              <a:schemeClr val="tx1">
+                <a:lumMod val="50000"/>
+                <a:lumOff val="50000"/>
+              </a:schemeClr>
+            </a:solidFill>
+            <a:ln>
+              <a:solidFill>
+                <a:schemeClr val="tx1">
+                  <a:lumMod val="50000"/>
+                  <a:lumOff val="50000"/>
+                </a:schemeClr>
+              </a:solidFill>
+            </a:ln>
+            <a:effectLst>
+              <a:outerShdw blurRad="50800" dist="38100" algn="l" rotWithShape="0">
+                <a:prstClr val="black">
+                  <a:alpha val="40000"/>
+                </a:prstClr>
+              </a:outerShdw>
+            </a:effectLst>
+          </p:spPr>
+          <p:style>
+            <a:lnRef idx="2">
+              <a:schemeClr val="accent1">
+                <a:shade val="50000"/>
+              </a:schemeClr>
+            </a:lnRef>
+            <a:fillRef idx="1">
+              <a:schemeClr val="accent1"/>
+            </a:fillRef>
+            <a:effectRef idx="0">
+              <a:schemeClr val="accent1"/>
+            </a:effectRef>
+            <a:fontRef idx="minor">
+              <a:schemeClr val="lt1"/>
+            </a:fontRef>
+          </p:style>
+          <p:txBody>
+            <a:bodyPr rtlCol="0" anchor="ctr"/>
+            <a:lstStyle/>
+            <a:p>
+              <a:pPr algn="ctr"/>
+              <a:r>
+                <a:rPr lang="en-US" sz="1000" dirty="0" smtClean="0"/>
+                <a:t>Range</a:t>
+              </a:r>
+              <a:endParaRPr lang="en-US" sz="1000" dirty="0"/>
+            </a:p>
+          </p:txBody>
+        </p:sp>
+        <p:sp>
+          <p:nvSpPr>
+            <p:cNvPr id="10" name="Snip and Round Single Corner Rectangle 9"/>
+            <p:cNvSpPr/>
+            <p:nvPr/>
+          </p:nvSpPr>
+          <p:spPr>
+            <a:xfrm>
+              <a:off x="4832350" y="924502"/>
+              <a:ext cx="762000" cy="266602"/>
+            </a:xfrm>
+            <a:prstGeom prst="snipRoundRect">
+              <a:avLst>
+                <a:gd name="adj1" fmla="val 16667"/>
+                <a:gd name="adj2" fmla="val 50000"/>
+              </a:avLst>
+            </a:prstGeom>
+            <a:solidFill>
+              <a:schemeClr val="tx1">
+                <a:lumMod val="50000"/>
+                <a:lumOff val="50000"/>
+              </a:schemeClr>
+            </a:solidFill>
+            <a:ln>
+              <a:solidFill>
+                <a:schemeClr val="tx1">
+                  <a:lumMod val="50000"/>
+                  <a:lumOff val="50000"/>
+                </a:schemeClr>
+              </a:solidFill>
+            </a:ln>
+            <a:effectLst>
+              <a:outerShdw blurRad="50800" dist="38100" algn="l" rotWithShape="0">
+                <a:prstClr val="black">
+                  <a:alpha val="40000"/>
+                </a:prstClr>
+              </a:outerShdw>
+            </a:effectLst>
+          </p:spPr>
+          <p:style>
+            <a:lnRef idx="2">
+              <a:schemeClr val="accent1">
+                <a:shade val="50000"/>
+              </a:schemeClr>
+            </a:lnRef>
+            <a:fillRef idx="1">
+              <a:schemeClr val="accent1"/>
+            </a:fillRef>
+            <a:effectRef idx="0">
+              <a:schemeClr val="accent1"/>
+            </a:effectRef>
+            <a:fontRef idx="minor">
+              <a:schemeClr val="lt1"/>
+            </a:fontRef>
+          </p:style>
+          <p:txBody>
+            <a:bodyPr rtlCol="0" anchor="ctr"/>
+            <a:lstStyle/>
+            <a:p>
+              <a:pPr algn="ctr"/>
+              <a:r>
+                <a:rPr lang="en-US" sz="1000" dirty="0" smtClean="0"/>
+                <a:t>Name</a:t>
+              </a:r>
+              <a:endParaRPr lang="en-US" sz="1000" dirty="0"/>
+            </a:p>
+          </p:txBody>
+        </p:sp>
+        <p:sp>
+          <p:nvSpPr>
+            <p:cNvPr id="11" name="Snip and Round Single Corner Rectangle 10"/>
+            <p:cNvSpPr/>
+            <p:nvPr/>
+          </p:nvSpPr>
+          <p:spPr>
+            <a:xfrm>
+              <a:off x="5375614" y="927239"/>
+              <a:ext cx="762000" cy="266602"/>
+            </a:xfrm>
+            <a:prstGeom prst="snipRoundRect">
+              <a:avLst>
+                <a:gd name="adj1" fmla="val 16667"/>
+                <a:gd name="adj2" fmla="val 50000"/>
+              </a:avLst>
+            </a:prstGeom>
+            <a:solidFill>
+              <a:schemeClr val="tx1">
+                <a:lumMod val="50000"/>
+                <a:lumOff val="50000"/>
+              </a:schemeClr>
+            </a:solidFill>
+            <a:ln>
+              <a:solidFill>
+                <a:schemeClr val="tx1">
+                  <a:lumMod val="50000"/>
+                  <a:lumOff val="50000"/>
+                </a:schemeClr>
+              </a:solidFill>
+            </a:ln>
+            <a:effectLst>
+              <a:outerShdw blurRad="177800" sx="116000" sy="116000" algn="ctr" rotWithShape="0">
+                <a:prstClr val="black">
+                  <a:alpha val="40000"/>
+                </a:prstClr>
+              </a:outerShdw>
+            </a:effectLst>
+          </p:spPr>
+          <p:style>
+            <a:lnRef idx="2">
+              <a:schemeClr val="accent1">
+                <a:shade val="50000"/>
+              </a:schemeClr>
+            </a:lnRef>
+            <a:fillRef idx="1">
+              <a:schemeClr val="accent1"/>
+            </a:fillRef>
+            <a:effectRef idx="0">
+              <a:schemeClr val="accent1"/>
+            </a:effectRef>
+            <a:fontRef idx="minor">
+              <a:schemeClr val="lt1"/>
+            </a:fontRef>
+          </p:style>
+          <p:txBody>
+            <a:bodyPr rtlCol="0" anchor="ctr"/>
+            <a:lstStyle/>
+            <a:p>
+              <a:pPr algn="ctr"/>
+              <a:r>
+                <a:rPr lang="en-US" sz="800" dirty="0" smtClean="0"/>
+                <a:t>Recurrence</a:t>
+              </a:r>
+              <a:endParaRPr lang="en-US" sz="800" dirty="0"/>
+            </a:p>
+          </p:txBody>
+        </p:sp>
+      </p:grpSp>
       <p:sp>
         <p:nvSpPr>
-          <p:cNvPr id="4" name="Cross 3"/>
+          <p:cNvPr id="18" name="Oval 17"/>
           <p:cNvSpPr/>
           <p:nvPr/>
         </p:nvSpPr>
         <p:spPr>
           <a:xfrm>
-            <a:off x="1981200" y="1447800"/>
-            <a:ext cx="3657600" cy="3657600"/>
+            <a:off x="1812141" y="3665221"/>
+            <a:ext cx="320040" cy="320040"/>
           </a:xfrm>
-          <a:prstGeom prst="plus">
-            <a:avLst>
-              <a:gd name="adj" fmla="val 30213"/>
-            </a:avLst>
+          <a:prstGeom prst="ellipse">
+            <a:avLst/>
           </a:prstGeom>
           <a:solidFill>
             <a:schemeClr val="bg1">
               <a:lumMod val="85000"/>
             </a:schemeClr>
           </a:solidFill>
-          <a:ln>
+          <a:ln w="12700">
             <a:solidFill>
-              <a:schemeClr val="bg1">
-                <a:lumMod val="85000"/>
+              <a:schemeClr val="tx1">
+                <a:lumMod val="50000"/>
+                <a:lumOff val="50000"/>
               </a:schemeClr>
             </a:solidFill>
           </a:ln>
+          <a:effectLst>
+            <a:outerShdw blurRad="50800" dist="38100" dir="5400000" algn="t" rotWithShape="0">
+              <a:prstClr val="black">
+                <a:alpha val="40000"/>
+              </a:prstClr>
+            </a:outerShdw>
+          </a:effectLst>
         </p:spPr>
         <p:style>
           <a:lnRef idx="2">
@@ -26450,10 +29768,1033 @@
           </a:p>
         </p:txBody>
       </p:sp>
+      <p:sp>
+        <p:nvSpPr>
+          <p:cNvPr id="19" name="Oval 18"/>
+          <p:cNvSpPr/>
+          <p:nvPr/>
+        </p:nvSpPr>
+        <p:spPr>
+          <a:xfrm>
+            <a:off x="2200508" y="3665221"/>
+            <a:ext cx="320040" cy="320040"/>
+          </a:xfrm>
+          <a:prstGeom prst="ellipse">
+            <a:avLst/>
+          </a:prstGeom>
+          <a:solidFill>
+            <a:schemeClr val="bg1">
+              <a:lumMod val="85000"/>
+            </a:schemeClr>
+          </a:solidFill>
+          <a:ln w="12700">
+            <a:solidFill>
+              <a:schemeClr val="tx1">
+                <a:lumMod val="50000"/>
+                <a:lumOff val="50000"/>
+              </a:schemeClr>
+            </a:solidFill>
+          </a:ln>
+          <a:effectLst>
+            <a:outerShdw blurRad="50800" dist="38100" dir="5400000" algn="t" rotWithShape="0">
+              <a:prstClr val="black">
+                <a:alpha val="40000"/>
+              </a:prstClr>
+            </a:outerShdw>
+          </a:effectLst>
+        </p:spPr>
+        <p:style>
+          <a:lnRef idx="2">
+            <a:schemeClr val="accent1">
+              <a:shade val="50000"/>
+            </a:schemeClr>
+          </a:lnRef>
+          <a:fillRef idx="1">
+            <a:schemeClr val="accent1"/>
+          </a:fillRef>
+          <a:effectRef idx="0">
+            <a:schemeClr val="accent1"/>
+          </a:effectRef>
+          <a:fontRef idx="minor">
+            <a:schemeClr val="lt1"/>
+          </a:fontRef>
+        </p:style>
+        <p:txBody>
+          <a:bodyPr rtlCol="0" anchor="ctr"/>
+          <a:lstStyle/>
+          <a:p>
+            <a:pPr algn="ctr"/>
+            <a:endParaRPr lang="en-US"/>
+          </a:p>
+        </p:txBody>
+      </p:sp>
+      <p:sp>
+        <p:nvSpPr>
+          <p:cNvPr id="20" name="Oval 19"/>
+          <p:cNvSpPr/>
+          <p:nvPr/>
+        </p:nvSpPr>
+        <p:spPr>
+          <a:xfrm>
+            <a:off x="2567913" y="3665221"/>
+            <a:ext cx="320040" cy="320040"/>
+          </a:xfrm>
+          <a:prstGeom prst="ellipse">
+            <a:avLst/>
+          </a:prstGeom>
+          <a:solidFill>
+            <a:schemeClr val="bg1">
+              <a:lumMod val="85000"/>
+            </a:schemeClr>
+          </a:solidFill>
+          <a:ln w="12700">
+            <a:solidFill>
+              <a:schemeClr val="tx1">
+                <a:lumMod val="50000"/>
+                <a:lumOff val="50000"/>
+              </a:schemeClr>
+            </a:solidFill>
+          </a:ln>
+          <a:effectLst>
+            <a:outerShdw blurRad="50800" dist="38100" dir="5400000" algn="t" rotWithShape="0">
+              <a:prstClr val="black">
+                <a:alpha val="40000"/>
+              </a:prstClr>
+            </a:outerShdw>
+          </a:effectLst>
+        </p:spPr>
+        <p:style>
+          <a:lnRef idx="2">
+            <a:schemeClr val="accent1">
+              <a:shade val="50000"/>
+            </a:schemeClr>
+          </a:lnRef>
+          <a:fillRef idx="1">
+            <a:schemeClr val="accent1"/>
+          </a:fillRef>
+          <a:effectRef idx="0">
+            <a:schemeClr val="accent1"/>
+          </a:effectRef>
+          <a:fontRef idx="minor">
+            <a:schemeClr val="lt1"/>
+          </a:fontRef>
+        </p:style>
+        <p:txBody>
+          <a:bodyPr rtlCol="0" anchor="ctr"/>
+          <a:lstStyle/>
+          <a:p>
+            <a:pPr algn="ctr"/>
+            <a:endParaRPr lang="en-US"/>
+          </a:p>
+        </p:txBody>
+      </p:sp>
+      <p:sp>
+        <p:nvSpPr>
+          <p:cNvPr id="21" name="Oval 20"/>
+          <p:cNvSpPr/>
+          <p:nvPr/>
+        </p:nvSpPr>
+        <p:spPr>
+          <a:xfrm>
+            <a:off x="2947818" y="3665221"/>
+            <a:ext cx="320040" cy="320040"/>
+          </a:xfrm>
+          <a:prstGeom prst="ellipse">
+            <a:avLst/>
+          </a:prstGeom>
+          <a:solidFill>
+            <a:schemeClr val="bg1">
+              <a:lumMod val="85000"/>
+            </a:schemeClr>
+          </a:solidFill>
+          <a:ln w="12700">
+            <a:solidFill>
+              <a:schemeClr val="tx1">
+                <a:lumMod val="50000"/>
+                <a:lumOff val="50000"/>
+              </a:schemeClr>
+            </a:solidFill>
+          </a:ln>
+          <a:effectLst>
+            <a:outerShdw blurRad="50800" dist="38100" dir="5400000" algn="t" rotWithShape="0">
+              <a:prstClr val="black">
+                <a:alpha val="40000"/>
+              </a:prstClr>
+            </a:outerShdw>
+          </a:effectLst>
+        </p:spPr>
+        <p:style>
+          <a:lnRef idx="2">
+            <a:schemeClr val="accent1">
+              <a:shade val="50000"/>
+            </a:schemeClr>
+          </a:lnRef>
+          <a:fillRef idx="1">
+            <a:schemeClr val="accent1"/>
+          </a:fillRef>
+          <a:effectRef idx="0">
+            <a:schemeClr val="accent1"/>
+          </a:effectRef>
+          <a:fontRef idx="minor">
+            <a:schemeClr val="lt1"/>
+          </a:fontRef>
+        </p:style>
+        <p:txBody>
+          <a:bodyPr rtlCol="0" anchor="ctr"/>
+          <a:lstStyle/>
+          <a:p>
+            <a:pPr algn="ctr"/>
+            <a:endParaRPr lang="en-US"/>
+          </a:p>
+        </p:txBody>
+      </p:sp>
+      <p:sp>
+        <p:nvSpPr>
+          <p:cNvPr id="22" name="Oval 21"/>
+          <p:cNvSpPr/>
+          <p:nvPr/>
+        </p:nvSpPr>
+        <p:spPr>
+          <a:xfrm>
+            <a:off x="3351678" y="3665221"/>
+            <a:ext cx="320040" cy="320040"/>
+          </a:xfrm>
+          <a:prstGeom prst="ellipse">
+            <a:avLst/>
+          </a:prstGeom>
+          <a:solidFill>
+            <a:schemeClr val="bg1">
+              <a:lumMod val="85000"/>
+            </a:schemeClr>
+          </a:solidFill>
+          <a:ln w="12700">
+            <a:solidFill>
+              <a:schemeClr val="tx1">
+                <a:lumMod val="50000"/>
+                <a:lumOff val="50000"/>
+              </a:schemeClr>
+            </a:solidFill>
+          </a:ln>
+          <a:effectLst>
+            <a:outerShdw blurRad="50800" dist="38100" dir="5400000" algn="t" rotWithShape="0">
+              <a:prstClr val="black">
+                <a:alpha val="40000"/>
+              </a:prstClr>
+            </a:outerShdw>
+          </a:effectLst>
+        </p:spPr>
+        <p:style>
+          <a:lnRef idx="2">
+            <a:schemeClr val="accent1">
+              <a:shade val="50000"/>
+            </a:schemeClr>
+          </a:lnRef>
+          <a:fillRef idx="1">
+            <a:schemeClr val="accent1"/>
+          </a:fillRef>
+          <a:effectRef idx="0">
+            <a:schemeClr val="accent1"/>
+          </a:effectRef>
+          <a:fontRef idx="minor">
+            <a:schemeClr val="lt1"/>
+          </a:fontRef>
+        </p:style>
+        <p:txBody>
+          <a:bodyPr rtlCol="0" anchor="ctr"/>
+          <a:lstStyle/>
+          <a:p>
+            <a:pPr algn="ctr"/>
+            <a:endParaRPr lang="en-US"/>
+          </a:p>
+        </p:txBody>
+      </p:sp>
+      <p:sp>
+        <p:nvSpPr>
+          <p:cNvPr id="23" name="Oval 22"/>
+          <p:cNvSpPr/>
+          <p:nvPr/>
+        </p:nvSpPr>
+        <p:spPr>
+          <a:xfrm>
+            <a:off x="3736784" y="3665221"/>
+            <a:ext cx="320040" cy="320040"/>
+          </a:xfrm>
+          <a:prstGeom prst="ellipse">
+            <a:avLst/>
+          </a:prstGeom>
+          <a:solidFill>
+            <a:schemeClr val="bg1">
+              <a:lumMod val="85000"/>
+            </a:schemeClr>
+          </a:solidFill>
+          <a:ln w="12700">
+            <a:solidFill>
+              <a:schemeClr val="tx1">
+                <a:lumMod val="50000"/>
+                <a:lumOff val="50000"/>
+              </a:schemeClr>
+            </a:solidFill>
+          </a:ln>
+          <a:effectLst>
+            <a:outerShdw blurRad="50800" dist="38100" dir="5400000" algn="t" rotWithShape="0">
+              <a:prstClr val="black">
+                <a:alpha val="40000"/>
+              </a:prstClr>
+            </a:outerShdw>
+          </a:effectLst>
+        </p:spPr>
+        <p:style>
+          <a:lnRef idx="2">
+            <a:schemeClr val="accent1">
+              <a:shade val="50000"/>
+            </a:schemeClr>
+          </a:lnRef>
+          <a:fillRef idx="1">
+            <a:schemeClr val="accent1"/>
+          </a:fillRef>
+          <a:effectRef idx="0">
+            <a:schemeClr val="accent1"/>
+          </a:effectRef>
+          <a:fontRef idx="minor">
+            <a:schemeClr val="lt1"/>
+          </a:fontRef>
+        </p:style>
+        <p:txBody>
+          <a:bodyPr rtlCol="0" anchor="ctr"/>
+          <a:lstStyle/>
+          <a:p>
+            <a:pPr algn="ctr"/>
+            <a:endParaRPr lang="en-US"/>
+          </a:p>
+        </p:txBody>
+      </p:sp>
+      <p:sp>
+        <p:nvSpPr>
+          <p:cNvPr id="24" name="Oval 23"/>
+          <p:cNvSpPr/>
+          <p:nvPr/>
+        </p:nvSpPr>
+        <p:spPr>
+          <a:xfrm>
+            <a:off x="4137660" y="3657600"/>
+            <a:ext cx="320040" cy="320040"/>
+          </a:xfrm>
+          <a:prstGeom prst="ellipse">
+            <a:avLst/>
+          </a:prstGeom>
+          <a:solidFill>
+            <a:schemeClr val="bg1">
+              <a:lumMod val="85000"/>
+            </a:schemeClr>
+          </a:solidFill>
+          <a:ln w="12700">
+            <a:solidFill>
+              <a:schemeClr val="tx1">
+                <a:lumMod val="50000"/>
+                <a:lumOff val="50000"/>
+              </a:schemeClr>
+            </a:solidFill>
+          </a:ln>
+          <a:effectLst>
+            <a:outerShdw blurRad="50800" dist="38100" dir="5400000" algn="t" rotWithShape="0">
+              <a:prstClr val="black">
+                <a:alpha val="40000"/>
+              </a:prstClr>
+            </a:outerShdw>
+          </a:effectLst>
+        </p:spPr>
+        <p:style>
+          <a:lnRef idx="2">
+            <a:schemeClr val="accent1">
+              <a:shade val="50000"/>
+            </a:schemeClr>
+          </a:lnRef>
+          <a:fillRef idx="1">
+            <a:schemeClr val="accent1"/>
+          </a:fillRef>
+          <a:effectRef idx="0">
+            <a:schemeClr val="accent1"/>
+          </a:effectRef>
+          <a:fontRef idx="minor">
+            <a:schemeClr val="lt1"/>
+          </a:fontRef>
+        </p:style>
+        <p:txBody>
+          <a:bodyPr rtlCol="0" anchor="ctr"/>
+          <a:lstStyle/>
+          <a:p>
+            <a:pPr algn="ctr"/>
+            <a:endParaRPr lang="en-US"/>
+          </a:p>
+        </p:txBody>
+      </p:sp>
+      <p:grpSp>
+        <p:nvGrpSpPr>
+          <p:cNvPr id="25" name="Group 24"/>
+          <p:cNvGrpSpPr/>
+          <p:nvPr/>
+        </p:nvGrpSpPr>
+        <p:grpSpPr>
+          <a:xfrm>
+            <a:off x="1866391" y="1503521"/>
+            <a:ext cx="2623398" cy="228600"/>
+            <a:chOff x="4543658" y="1600200"/>
+            <a:chExt cx="2623398" cy="228600"/>
+          </a:xfrm>
+        </p:grpSpPr>
+        <p:sp>
+          <p:nvSpPr>
+            <p:cNvPr id="26" name="Rectangle 25"/>
+            <p:cNvSpPr/>
+            <p:nvPr/>
+          </p:nvSpPr>
+          <p:spPr>
+            <a:xfrm>
+              <a:off x="4543658" y="1600200"/>
+              <a:ext cx="654728" cy="228600"/>
+            </a:xfrm>
+            <a:prstGeom prst="rect">
+              <a:avLst/>
+            </a:prstGeom>
+            <a:solidFill>
+              <a:schemeClr val="bg1">
+                <a:lumMod val="85000"/>
+              </a:schemeClr>
+            </a:solidFill>
+            <a:ln w="6350">
+              <a:solidFill>
+                <a:schemeClr val="tx1">
+                  <a:lumMod val="75000"/>
+                  <a:lumOff val="25000"/>
+                </a:schemeClr>
+              </a:solidFill>
+            </a:ln>
+            <a:effectLst>
+              <a:innerShdw blurRad="114300">
+                <a:prstClr val="black"/>
+              </a:innerShdw>
+            </a:effectLst>
+          </p:spPr>
+          <p:style>
+            <a:lnRef idx="2">
+              <a:schemeClr val="accent1">
+                <a:shade val="50000"/>
+              </a:schemeClr>
+            </a:lnRef>
+            <a:fillRef idx="1">
+              <a:schemeClr val="accent1"/>
+            </a:fillRef>
+            <a:effectRef idx="0">
+              <a:schemeClr val="accent1"/>
+            </a:effectRef>
+            <a:fontRef idx="minor">
+              <a:schemeClr val="lt1"/>
+            </a:fontRef>
+          </p:style>
+          <p:txBody>
+            <a:bodyPr rtlCol="0" anchor="ctr"/>
+            <a:lstStyle/>
+            <a:p>
+              <a:pPr algn="ctr"/>
+              <a:r>
+                <a:rPr lang="en-US" sz="1200" dirty="0" smtClean="0">
+                  <a:solidFill>
+                    <a:schemeClr val="tx1">
+                      <a:lumMod val="95000"/>
+                      <a:lumOff val="5000"/>
+                    </a:schemeClr>
+                  </a:solidFill>
+                </a:rPr>
+                <a:t>Daily</a:t>
+              </a:r>
+              <a:endParaRPr lang="en-US" sz="1200" dirty="0">
+                <a:solidFill>
+                  <a:schemeClr val="tx1">
+                    <a:lumMod val="95000"/>
+                    <a:lumOff val="5000"/>
+                  </a:schemeClr>
+                </a:solidFill>
+              </a:endParaRPr>
+            </a:p>
+          </p:txBody>
+        </p:sp>
+        <p:sp>
+          <p:nvSpPr>
+            <p:cNvPr id="27" name="Rectangle 26"/>
+            <p:cNvSpPr/>
+            <p:nvPr/>
+          </p:nvSpPr>
+          <p:spPr>
+            <a:xfrm>
+              <a:off x="5200120" y="1600200"/>
+              <a:ext cx="654728" cy="228600"/>
+            </a:xfrm>
+            <a:prstGeom prst="rect">
+              <a:avLst/>
+            </a:prstGeom>
+            <a:solidFill>
+              <a:schemeClr val="bg1">
+                <a:lumMod val="85000"/>
+              </a:schemeClr>
+            </a:solidFill>
+            <a:ln w="6350">
+              <a:solidFill>
+                <a:schemeClr val="tx1">
+                  <a:lumMod val="75000"/>
+                  <a:lumOff val="25000"/>
+                </a:schemeClr>
+              </a:solidFill>
+            </a:ln>
+          </p:spPr>
+          <p:style>
+            <a:lnRef idx="2">
+              <a:schemeClr val="accent1">
+                <a:shade val="50000"/>
+              </a:schemeClr>
+            </a:lnRef>
+            <a:fillRef idx="1">
+              <a:schemeClr val="accent1"/>
+            </a:fillRef>
+            <a:effectRef idx="0">
+              <a:schemeClr val="accent1"/>
+            </a:effectRef>
+            <a:fontRef idx="minor">
+              <a:schemeClr val="lt1"/>
+            </a:fontRef>
+          </p:style>
+          <p:txBody>
+            <a:bodyPr rtlCol="0" anchor="ctr"/>
+            <a:lstStyle/>
+            <a:p>
+              <a:pPr algn="ctr"/>
+              <a:r>
+                <a:rPr lang="en-US" sz="1200" dirty="0" smtClean="0">
+                  <a:solidFill>
+                    <a:schemeClr val="tx1">
+                      <a:lumMod val="95000"/>
+                      <a:lumOff val="5000"/>
+                    </a:schemeClr>
+                  </a:solidFill>
+                </a:rPr>
+                <a:t>Weekly</a:t>
+              </a:r>
+              <a:endParaRPr lang="en-US" sz="1200" dirty="0">
+                <a:solidFill>
+                  <a:schemeClr val="tx1">
+                    <a:lumMod val="95000"/>
+                    <a:lumOff val="5000"/>
+                  </a:schemeClr>
+                </a:solidFill>
+              </a:endParaRPr>
+            </a:p>
+          </p:txBody>
+        </p:sp>
+        <p:sp>
+          <p:nvSpPr>
+            <p:cNvPr id="28" name="Rectangle 27"/>
+            <p:cNvSpPr/>
+            <p:nvPr/>
+          </p:nvSpPr>
+          <p:spPr>
+            <a:xfrm>
+              <a:off x="5854848" y="1600200"/>
+              <a:ext cx="654728" cy="228600"/>
+            </a:xfrm>
+            <a:prstGeom prst="rect">
+              <a:avLst/>
+            </a:prstGeom>
+            <a:solidFill>
+              <a:schemeClr val="bg1">
+                <a:lumMod val="85000"/>
+              </a:schemeClr>
+            </a:solidFill>
+            <a:ln w="6350">
+              <a:solidFill>
+                <a:schemeClr val="tx1">
+                  <a:lumMod val="75000"/>
+                  <a:lumOff val="25000"/>
+                </a:schemeClr>
+              </a:solidFill>
+            </a:ln>
+          </p:spPr>
+          <p:style>
+            <a:lnRef idx="2">
+              <a:schemeClr val="accent1">
+                <a:shade val="50000"/>
+              </a:schemeClr>
+            </a:lnRef>
+            <a:fillRef idx="1">
+              <a:schemeClr val="accent1"/>
+            </a:fillRef>
+            <a:effectRef idx="0">
+              <a:schemeClr val="accent1"/>
+            </a:effectRef>
+            <a:fontRef idx="minor">
+              <a:schemeClr val="lt1"/>
+            </a:fontRef>
+          </p:style>
+          <p:txBody>
+            <a:bodyPr rtlCol="0" anchor="ctr"/>
+            <a:lstStyle/>
+            <a:p>
+              <a:pPr algn="ctr"/>
+              <a:r>
+                <a:rPr lang="en-US" sz="1000" dirty="0" smtClean="0">
+                  <a:solidFill>
+                    <a:schemeClr val="tx1">
+                      <a:lumMod val="95000"/>
+                      <a:lumOff val="5000"/>
+                    </a:schemeClr>
+                  </a:solidFill>
+                </a:rPr>
+                <a:t>Monthly</a:t>
+              </a:r>
+              <a:endParaRPr lang="en-US" sz="1000" dirty="0">
+                <a:solidFill>
+                  <a:schemeClr val="tx1">
+                    <a:lumMod val="95000"/>
+                    <a:lumOff val="5000"/>
+                  </a:schemeClr>
+                </a:solidFill>
+              </a:endParaRPr>
+            </a:p>
+          </p:txBody>
+        </p:sp>
+        <p:sp>
+          <p:nvSpPr>
+            <p:cNvPr id="29" name="Rectangle 28"/>
+            <p:cNvSpPr/>
+            <p:nvPr/>
+          </p:nvSpPr>
+          <p:spPr>
+            <a:xfrm>
+              <a:off x="6512328" y="1600200"/>
+              <a:ext cx="654728" cy="228600"/>
+            </a:xfrm>
+            <a:prstGeom prst="rect">
+              <a:avLst/>
+            </a:prstGeom>
+            <a:solidFill>
+              <a:schemeClr val="bg1">
+                <a:lumMod val="85000"/>
+              </a:schemeClr>
+            </a:solidFill>
+            <a:ln w="6350">
+              <a:solidFill>
+                <a:schemeClr val="tx1">
+                  <a:lumMod val="75000"/>
+                  <a:lumOff val="25000"/>
+                </a:schemeClr>
+              </a:solidFill>
+            </a:ln>
+          </p:spPr>
+          <p:style>
+            <a:lnRef idx="2">
+              <a:schemeClr val="accent1">
+                <a:shade val="50000"/>
+              </a:schemeClr>
+            </a:lnRef>
+            <a:fillRef idx="1">
+              <a:schemeClr val="accent1"/>
+            </a:fillRef>
+            <a:effectRef idx="0">
+              <a:schemeClr val="accent1"/>
+            </a:effectRef>
+            <a:fontRef idx="minor">
+              <a:schemeClr val="lt1"/>
+            </a:fontRef>
+          </p:style>
+          <p:txBody>
+            <a:bodyPr rtlCol="0" anchor="ctr"/>
+            <a:lstStyle/>
+            <a:p>
+              <a:pPr algn="ctr"/>
+              <a:r>
+                <a:rPr lang="en-US" sz="1200" dirty="0" smtClean="0">
+                  <a:solidFill>
+                    <a:schemeClr val="tx1">
+                      <a:lumMod val="95000"/>
+                      <a:lumOff val="5000"/>
+                    </a:schemeClr>
+                  </a:solidFill>
+                </a:rPr>
+                <a:t>Yearly</a:t>
+              </a:r>
+              <a:endParaRPr lang="en-US" sz="1200" dirty="0">
+                <a:solidFill>
+                  <a:schemeClr val="tx1">
+                    <a:lumMod val="95000"/>
+                    <a:lumOff val="5000"/>
+                  </a:schemeClr>
+                </a:solidFill>
+              </a:endParaRPr>
+            </a:p>
+          </p:txBody>
+        </p:sp>
+      </p:grpSp>
+      <p:grpSp>
+        <p:nvGrpSpPr>
+          <p:cNvPr id="30" name="Group 29"/>
+          <p:cNvGrpSpPr/>
+          <p:nvPr/>
+        </p:nvGrpSpPr>
+        <p:grpSpPr>
+          <a:xfrm>
+            <a:off x="1913834" y="1963579"/>
+            <a:ext cx="2350677" cy="246221"/>
+            <a:chOff x="4584348" y="1963579"/>
+            <a:chExt cx="2350677" cy="246221"/>
+          </a:xfrm>
+        </p:grpSpPr>
+        <p:sp>
+          <p:nvSpPr>
+            <p:cNvPr id="31" name="Rectangle 30"/>
+            <p:cNvSpPr/>
+            <p:nvPr/>
+          </p:nvSpPr>
+          <p:spPr>
+            <a:xfrm>
+              <a:off x="4584348" y="2028109"/>
+              <a:ext cx="140051" cy="123111"/>
+            </a:xfrm>
+            <a:prstGeom prst="rect">
+              <a:avLst/>
+            </a:prstGeom>
+            <a:solidFill>
+              <a:schemeClr val="bg1">
+                <a:lumMod val="85000"/>
+              </a:schemeClr>
+            </a:solidFill>
+            <a:ln>
+              <a:noFill/>
+            </a:ln>
+          </p:spPr>
+          <p:style>
+            <a:lnRef idx="2">
+              <a:schemeClr val="accent1">
+                <a:shade val="50000"/>
+              </a:schemeClr>
+            </a:lnRef>
+            <a:fillRef idx="1">
+              <a:schemeClr val="accent1"/>
+            </a:fillRef>
+            <a:effectRef idx="0">
+              <a:schemeClr val="accent1"/>
+            </a:effectRef>
+            <a:fontRef idx="minor">
+              <a:schemeClr val="lt1"/>
+            </a:fontRef>
+          </p:style>
+          <p:txBody>
+            <a:bodyPr rtlCol="0" anchor="ctr"/>
+            <a:lstStyle/>
+            <a:p>
+              <a:pPr algn="ctr"/>
+              <a:endParaRPr lang="en-US"/>
+            </a:p>
+          </p:txBody>
+        </p:sp>
+        <p:sp>
+          <p:nvSpPr>
+            <p:cNvPr id="32" name="TextBox 31"/>
+            <p:cNvSpPr txBox="1"/>
+            <p:nvPr/>
+          </p:nvSpPr>
+          <p:spPr>
+            <a:xfrm>
+              <a:off x="4802695" y="1963579"/>
+              <a:ext cx="2132330" cy="246221"/>
+            </a:xfrm>
+            <a:prstGeom prst="rect">
+              <a:avLst/>
+            </a:prstGeom>
+            <a:noFill/>
+          </p:spPr>
+          <p:txBody>
+            <a:bodyPr wrap="square" rtlCol="0">
+              <a:spAutoFit/>
+            </a:bodyPr>
+            <a:lstStyle/>
+            <a:p>
+              <a:r>
+                <a:rPr lang="en-US" sz="1000" dirty="0" smtClean="0">
+                  <a:solidFill>
+                    <a:schemeClr val="bg1">
+                      <a:lumMod val="85000"/>
+                    </a:schemeClr>
+                  </a:solidFill>
+                </a:rPr>
+                <a:t>Business Hours</a:t>
+              </a:r>
+              <a:endParaRPr lang="en-US" sz="1000" dirty="0">
+                <a:solidFill>
+                  <a:schemeClr val="bg1">
+                    <a:lumMod val="85000"/>
+                  </a:schemeClr>
+                </a:solidFill>
+              </a:endParaRPr>
+            </a:p>
+          </p:txBody>
+        </p:sp>
+      </p:grpSp>
+      <p:grpSp>
+        <p:nvGrpSpPr>
+          <p:cNvPr id="33" name="Group 32"/>
+          <p:cNvGrpSpPr/>
+          <p:nvPr/>
+        </p:nvGrpSpPr>
+        <p:grpSpPr>
+          <a:xfrm>
+            <a:off x="1927104" y="2209800"/>
+            <a:ext cx="2350676" cy="246221"/>
+            <a:chOff x="4584349" y="1963579"/>
+            <a:chExt cx="2350676" cy="246221"/>
+          </a:xfrm>
+        </p:grpSpPr>
+        <p:sp>
+          <p:nvSpPr>
+            <p:cNvPr id="34" name="Rectangle 33"/>
+            <p:cNvSpPr/>
+            <p:nvPr/>
+          </p:nvSpPr>
+          <p:spPr>
+            <a:xfrm>
+              <a:off x="4584349" y="2028109"/>
+              <a:ext cx="126782" cy="123111"/>
+            </a:xfrm>
+            <a:prstGeom prst="rect">
+              <a:avLst/>
+            </a:prstGeom>
+            <a:solidFill>
+              <a:schemeClr val="bg1">
+                <a:lumMod val="85000"/>
+              </a:schemeClr>
+            </a:solidFill>
+            <a:ln>
+              <a:noFill/>
+            </a:ln>
+          </p:spPr>
+          <p:style>
+            <a:lnRef idx="2">
+              <a:schemeClr val="accent1">
+                <a:shade val="50000"/>
+              </a:schemeClr>
+            </a:lnRef>
+            <a:fillRef idx="1">
+              <a:schemeClr val="accent1"/>
+            </a:fillRef>
+            <a:effectRef idx="0">
+              <a:schemeClr val="accent1"/>
+            </a:effectRef>
+            <a:fontRef idx="minor">
+              <a:schemeClr val="lt1"/>
+            </a:fontRef>
+          </p:style>
+          <p:txBody>
+            <a:bodyPr rtlCol="0" anchor="ctr"/>
+            <a:lstStyle/>
+            <a:p>
+              <a:pPr algn="ctr"/>
+              <a:endParaRPr lang="en-US"/>
+            </a:p>
+          </p:txBody>
+        </p:sp>
+        <p:sp>
+          <p:nvSpPr>
+            <p:cNvPr id="35" name="TextBox 34"/>
+            <p:cNvSpPr txBox="1"/>
+            <p:nvPr/>
+          </p:nvSpPr>
+          <p:spPr>
+            <a:xfrm>
+              <a:off x="4802695" y="1963579"/>
+              <a:ext cx="2132330" cy="246221"/>
+            </a:xfrm>
+            <a:prstGeom prst="rect">
+              <a:avLst/>
+            </a:prstGeom>
+            <a:noFill/>
+          </p:spPr>
+          <p:txBody>
+            <a:bodyPr wrap="square" rtlCol="0">
+              <a:spAutoFit/>
+            </a:bodyPr>
+            <a:lstStyle/>
+            <a:p>
+              <a:r>
+                <a:rPr lang="en-US" sz="1000" dirty="0" smtClean="0">
+                  <a:solidFill>
+                    <a:schemeClr val="bg1">
+                      <a:lumMod val="85000"/>
+                    </a:schemeClr>
+                  </a:solidFill>
+                </a:rPr>
+                <a:t>Anytime During the Day</a:t>
+              </a:r>
+              <a:endParaRPr lang="en-US" sz="1000" dirty="0">
+                <a:solidFill>
+                  <a:schemeClr val="bg1">
+                    <a:lumMod val="85000"/>
+                  </a:schemeClr>
+                </a:solidFill>
+              </a:endParaRPr>
+            </a:p>
+          </p:txBody>
+        </p:sp>
+      </p:grpSp>
+      <p:grpSp>
+        <p:nvGrpSpPr>
+          <p:cNvPr id="36" name="Group 35"/>
+          <p:cNvGrpSpPr/>
+          <p:nvPr/>
+        </p:nvGrpSpPr>
+        <p:grpSpPr>
+          <a:xfrm>
+            <a:off x="1923297" y="2445064"/>
+            <a:ext cx="2350676" cy="246221"/>
+            <a:chOff x="4584349" y="1963579"/>
+            <a:chExt cx="2350676" cy="246221"/>
+          </a:xfrm>
+        </p:grpSpPr>
+        <p:sp>
+          <p:nvSpPr>
+            <p:cNvPr id="37" name="Rectangle 36"/>
+            <p:cNvSpPr/>
+            <p:nvPr/>
+          </p:nvSpPr>
+          <p:spPr>
+            <a:xfrm>
+              <a:off x="4584349" y="2028109"/>
+              <a:ext cx="126782" cy="123111"/>
+            </a:xfrm>
+            <a:prstGeom prst="rect">
+              <a:avLst/>
+            </a:prstGeom>
+            <a:solidFill>
+              <a:schemeClr val="bg1">
+                <a:lumMod val="85000"/>
+              </a:schemeClr>
+            </a:solidFill>
+            <a:ln>
+              <a:noFill/>
+            </a:ln>
+          </p:spPr>
+          <p:style>
+            <a:lnRef idx="2">
+              <a:schemeClr val="accent1">
+                <a:shade val="50000"/>
+              </a:schemeClr>
+            </a:lnRef>
+            <a:fillRef idx="1">
+              <a:schemeClr val="accent1"/>
+            </a:fillRef>
+            <a:effectRef idx="0">
+              <a:schemeClr val="accent1"/>
+            </a:effectRef>
+            <a:fontRef idx="minor">
+              <a:schemeClr val="lt1"/>
+            </a:fontRef>
+          </p:style>
+          <p:txBody>
+            <a:bodyPr rtlCol="0" anchor="ctr"/>
+            <a:lstStyle/>
+            <a:p>
+              <a:pPr algn="ctr"/>
+              <a:endParaRPr lang="en-US"/>
+            </a:p>
+          </p:txBody>
+        </p:sp>
+        <p:sp>
+          <p:nvSpPr>
+            <p:cNvPr id="38" name="TextBox 37"/>
+            <p:cNvSpPr txBox="1"/>
+            <p:nvPr/>
+          </p:nvSpPr>
+          <p:spPr>
+            <a:xfrm>
+              <a:off x="4802695" y="1963579"/>
+              <a:ext cx="2132330" cy="246221"/>
+            </a:xfrm>
+            <a:prstGeom prst="rect">
+              <a:avLst/>
+            </a:prstGeom>
+            <a:noFill/>
+          </p:spPr>
+          <p:txBody>
+            <a:bodyPr wrap="square" rtlCol="0">
+              <a:spAutoFit/>
+            </a:bodyPr>
+            <a:lstStyle/>
+            <a:p>
+              <a:r>
+                <a:rPr lang="en-US" sz="1000" dirty="0" smtClean="0">
+                  <a:solidFill>
+                    <a:schemeClr val="bg1">
+                      <a:lumMod val="85000"/>
+                    </a:schemeClr>
+                  </a:solidFill>
+                </a:rPr>
+                <a:t>Range of Event</a:t>
+              </a:r>
+              <a:endParaRPr lang="en-US" sz="1000" dirty="0">
+                <a:solidFill>
+                  <a:schemeClr val="bg1">
+                    <a:lumMod val="85000"/>
+                  </a:schemeClr>
+                </a:solidFill>
+              </a:endParaRPr>
+            </a:p>
+          </p:txBody>
+        </p:sp>
+      </p:grpSp>
+      <p:sp>
+        <p:nvSpPr>
+          <p:cNvPr id="39" name="Rectangle 38"/>
+          <p:cNvSpPr/>
+          <p:nvPr/>
+        </p:nvSpPr>
+        <p:spPr>
+          <a:xfrm>
+            <a:off x="1913834" y="4286250"/>
+            <a:ext cx="2298023" cy="533400"/>
+          </a:xfrm>
+          <a:prstGeom prst="rect">
+            <a:avLst/>
+          </a:prstGeom>
+        </p:spPr>
+        <p:style>
+          <a:lnRef idx="2">
+            <a:schemeClr val="accent1">
+              <a:shade val="50000"/>
+            </a:schemeClr>
+          </a:lnRef>
+          <a:fillRef idx="1">
+            <a:schemeClr val="accent1"/>
+          </a:fillRef>
+          <a:effectRef idx="0">
+            <a:schemeClr val="accent1"/>
+          </a:effectRef>
+          <a:fontRef idx="minor">
+            <a:schemeClr val="lt1"/>
+          </a:fontRef>
+        </p:style>
+        <p:txBody>
+          <a:bodyPr rtlCol="0" anchor="ctr"/>
+          <a:lstStyle/>
+          <a:p>
+            <a:pPr algn="ctr"/>
+            <a:r>
+              <a:rPr lang="en-US" dirty="0" smtClean="0"/>
+              <a:t>Range Of Repetition</a:t>
+            </a:r>
+            <a:endParaRPr lang="en-US" dirty="0"/>
+          </a:p>
+        </p:txBody>
+      </p:sp>
     </p:spTree>
     <p:extLst>
       <p:ext uri="{BB962C8B-B14F-4D97-AF65-F5344CB8AC3E}">
-        <p14:creationId xmlns:p14="http://schemas.microsoft.com/office/powerpoint/2010/main" val="3450576249"/>
+        <p14:creationId xmlns:p14="http://schemas.microsoft.com/office/powerpoint/2010/main" val="1741776096"/>
       </p:ext>
     </p:extLst>
   </p:cSld>

--- a/Requirements_And_Design/SelectedEventImage.pptx
+++ b/Requirements_And_Design/SelectedEventImage.pptx
@@ -952,7 +952,7 @@
           <a:p>
             <a:fld id="{31276AD4-C39E-4EBA-981E-AA690C3DD537}" type="datetimeFigureOut">
               <a:rPr lang="en-US" smtClean="0"/>
-              <a:t>3/25/2014</a:t>
+              <a:t>3/27/2014</a:t>
             </a:fld>
             <a:endParaRPr lang="en-US"/>
           </a:p>
@@ -1401,7 +1401,7 @@
           <a:p>
             <a:fld id="{E946C74D-DD12-43CA-AB61-CEB9B4EE38E1}" type="datetimeFigureOut">
               <a:rPr lang="en-US" smtClean="0"/>
-              <a:t>3/25/2014</a:t>
+              <a:t>3/27/2014</a:t>
             </a:fld>
             <a:endParaRPr lang="en-US"/>
           </a:p>
@@ -1571,7 +1571,7 @@
           <a:p>
             <a:fld id="{E946C74D-DD12-43CA-AB61-CEB9B4EE38E1}" type="datetimeFigureOut">
               <a:rPr lang="en-US" smtClean="0"/>
-              <a:t>3/25/2014</a:t>
+              <a:t>3/27/2014</a:t>
             </a:fld>
             <a:endParaRPr lang="en-US"/>
           </a:p>
@@ -1751,7 +1751,7 @@
           <a:p>
             <a:fld id="{E946C74D-DD12-43CA-AB61-CEB9B4EE38E1}" type="datetimeFigureOut">
               <a:rPr lang="en-US" smtClean="0"/>
-              <a:t>3/25/2014</a:t>
+              <a:t>3/27/2014</a:t>
             </a:fld>
             <a:endParaRPr lang="en-US"/>
           </a:p>
@@ -1921,7 +1921,7 @@
           <a:p>
             <a:fld id="{E946C74D-DD12-43CA-AB61-CEB9B4EE38E1}" type="datetimeFigureOut">
               <a:rPr lang="en-US" smtClean="0"/>
-              <a:t>3/25/2014</a:t>
+              <a:t>3/27/2014</a:t>
             </a:fld>
             <a:endParaRPr lang="en-US"/>
           </a:p>
@@ -2167,7 +2167,7 @@
           <a:p>
             <a:fld id="{E946C74D-DD12-43CA-AB61-CEB9B4EE38E1}" type="datetimeFigureOut">
               <a:rPr lang="en-US" smtClean="0"/>
-              <a:t>3/25/2014</a:t>
+              <a:t>3/27/2014</a:t>
             </a:fld>
             <a:endParaRPr lang="en-US"/>
           </a:p>
@@ -2455,7 +2455,7 @@
           <a:p>
             <a:fld id="{E946C74D-DD12-43CA-AB61-CEB9B4EE38E1}" type="datetimeFigureOut">
               <a:rPr lang="en-US" smtClean="0"/>
-              <a:t>3/25/2014</a:t>
+              <a:t>3/27/2014</a:t>
             </a:fld>
             <a:endParaRPr lang="en-US"/>
           </a:p>
@@ -2877,7 +2877,7 @@
           <a:p>
             <a:fld id="{E946C74D-DD12-43CA-AB61-CEB9B4EE38E1}" type="datetimeFigureOut">
               <a:rPr lang="en-US" smtClean="0"/>
-              <a:t>3/25/2014</a:t>
+              <a:t>3/27/2014</a:t>
             </a:fld>
             <a:endParaRPr lang="en-US"/>
           </a:p>
@@ -2995,7 +2995,7 @@
           <a:p>
             <a:fld id="{E946C74D-DD12-43CA-AB61-CEB9B4EE38E1}" type="datetimeFigureOut">
               <a:rPr lang="en-US" smtClean="0"/>
-              <a:t>3/25/2014</a:t>
+              <a:t>3/27/2014</a:t>
             </a:fld>
             <a:endParaRPr lang="en-US"/>
           </a:p>
@@ -3090,7 +3090,7 @@
           <a:p>
             <a:fld id="{E946C74D-DD12-43CA-AB61-CEB9B4EE38E1}" type="datetimeFigureOut">
               <a:rPr lang="en-US" smtClean="0"/>
-              <a:t>3/25/2014</a:t>
+              <a:t>3/27/2014</a:t>
             </a:fld>
             <a:endParaRPr lang="en-US"/>
           </a:p>
@@ -3367,7 +3367,7 @@
           <a:p>
             <a:fld id="{E946C74D-DD12-43CA-AB61-CEB9B4EE38E1}" type="datetimeFigureOut">
               <a:rPr lang="en-US" smtClean="0"/>
-              <a:t>3/25/2014</a:t>
+              <a:t>3/27/2014</a:t>
             </a:fld>
             <a:endParaRPr lang="en-US"/>
           </a:p>
@@ -3620,7 +3620,7 @@
           <a:p>
             <a:fld id="{E946C74D-DD12-43CA-AB61-CEB9B4EE38E1}" type="datetimeFigureOut">
               <a:rPr lang="en-US" smtClean="0"/>
-              <a:t>3/25/2014</a:t>
+              <a:t>3/27/2014</a:t>
             </a:fld>
             <a:endParaRPr lang="en-US"/>
           </a:p>
@@ -3833,7 +3833,7 @@
           <a:p>
             <a:fld id="{E946C74D-DD12-43CA-AB61-CEB9B4EE38E1}" type="datetimeFigureOut">
               <a:rPr lang="en-US" smtClean="0"/>
-              <a:t>3/25/2014</a:t>
+              <a:t>3/27/2014</a:t>
             </a:fld>
             <a:endParaRPr lang="en-US"/>
           </a:p>
@@ -27225,13 +27225,13 @@
           <p:nvPr>
             <p:extLst>
               <p:ext uri="{D42A27DB-BD31-4B8C-83A1-F6EECF244321}">
-                <p14:modId xmlns:p14="http://schemas.microsoft.com/office/powerpoint/2010/main" val="4026448434"/>
+                <p14:modId xmlns:p14="http://schemas.microsoft.com/office/powerpoint/2010/main" val="401254164"/>
               </p:ext>
             </p:extLst>
           </p:nvPr>
         </p:nvGraphicFramePr>
         <p:xfrm>
-          <a:off x="1744834" y="3733800"/>
+          <a:off x="1725856" y="3733800"/>
           <a:ext cx="4625487" cy="2057400"/>
         </p:xfrm>
         <a:graphic>
@@ -27482,6 +27482,142 @@
           </p:txBody>
         </p:sp>
       </p:grpSp>
+      <p:sp>
+        <p:nvSpPr>
+          <p:cNvPr id="55" name="Rectangle 54"/>
+          <p:cNvSpPr/>
+          <p:nvPr/>
+        </p:nvSpPr>
+        <p:spPr>
+          <a:xfrm>
+            <a:off x="1189911" y="2971800"/>
+            <a:ext cx="430022" cy="223914"/>
+          </a:xfrm>
+          <a:prstGeom prst="rect">
+            <a:avLst/>
+          </a:prstGeom>
+          <a:solidFill>
+            <a:srgbClr val="323232"/>
+          </a:solidFill>
+          <a:ln>
+            <a:noFill/>
+          </a:ln>
+        </p:spPr>
+        <p:style>
+          <a:lnRef idx="2">
+            <a:schemeClr val="accent1">
+              <a:shade val="50000"/>
+            </a:schemeClr>
+          </a:lnRef>
+          <a:fillRef idx="1">
+            <a:schemeClr val="accent1"/>
+          </a:fillRef>
+          <a:effectRef idx="0">
+            <a:schemeClr val="accent1"/>
+          </a:effectRef>
+          <a:fontRef idx="minor">
+            <a:schemeClr val="lt1"/>
+          </a:fontRef>
+        </p:style>
+        <p:txBody>
+          <a:bodyPr rtlCol="0" anchor="ctr"/>
+          <a:lstStyle/>
+          <a:p>
+            <a:pPr algn="ctr"/>
+            <a:r>
+              <a:rPr lang="en-US" b="1" dirty="0" smtClean="0">
+                <a:solidFill>
+                  <a:schemeClr val="bg1">
+                    <a:lumMod val="85000"/>
+                  </a:schemeClr>
+                </a:solidFill>
+                <a:latin typeface="Arabic Typesetting" panose="03020402040406030203" pitchFamily="66" charset="-78"/>
+                <a:cs typeface="Arabic Typesetting" panose="03020402040406030203" pitchFamily="66" charset="-78"/>
+              </a:rPr>
+              <a:t>8</a:t>
+            </a:r>
+            <a:endParaRPr lang="en-US" b="1" dirty="0">
+              <a:solidFill>
+                <a:schemeClr val="bg1">
+                  <a:lumMod val="85000"/>
+                </a:schemeClr>
+              </a:solidFill>
+              <a:latin typeface="Arabic Typesetting" panose="03020402040406030203" pitchFamily="66" charset="-78"/>
+              <a:cs typeface="Arabic Typesetting" panose="03020402040406030203" pitchFamily="66" charset="-78"/>
+            </a:endParaRPr>
+          </a:p>
+        </p:txBody>
+      </p:sp>
+      <p:sp>
+        <p:nvSpPr>
+          <p:cNvPr id="56" name="Rectangle 55"/>
+          <p:cNvSpPr/>
+          <p:nvPr/>
+        </p:nvSpPr>
+        <p:spPr>
+          <a:xfrm>
+            <a:off x="1238963" y="3460897"/>
+            <a:ext cx="430022" cy="223914"/>
+          </a:xfrm>
+          <a:prstGeom prst="rect">
+            <a:avLst/>
+          </a:prstGeom>
+          <a:solidFill>
+            <a:schemeClr val="bg1">
+              <a:lumMod val="85000"/>
+            </a:schemeClr>
+          </a:solidFill>
+          <a:ln>
+            <a:noFill/>
+          </a:ln>
+        </p:spPr>
+        <p:style>
+          <a:lnRef idx="2">
+            <a:schemeClr val="accent1">
+              <a:shade val="50000"/>
+            </a:schemeClr>
+          </a:lnRef>
+          <a:fillRef idx="1">
+            <a:schemeClr val="accent1"/>
+          </a:fillRef>
+          <a:effectRef idx="0">
+            <a:schemeClr val="accent1"/>
+          </a:effectRef>
+          <a:fontRef idx="minor">
+            <a:schemeClr val="lt1"/>
+          </a:fontRef>
+        </p:style>
+        <p:txBody>
+          <a:bodyPr rtlCol="0" anchor="ctr"/>
+          <a:lstStyle/>
+          <a:p>
+            <a:pPr algn="ctr"/>
+            <a:r>
+              <a:rPr lang="en-US" b="1" dirty="0" smtClean="0">
+                <a:solidFill>
+                  <a:schemeClr val="tx1">
+                    <a:lumMod val="75000"/>
+                    <a:lumOff val="25000"/>
+                  </a:schemeClr>
+                </a:solidFill>
+                <a:latin typeface="Arabic Typesetting" panose="03020402040406030203" pitchFamily="66" charset="-78"/>
+                <a:cs typeface="Arabic Typesetting" panose="03020402040406030203" pitchFamily="66" charset="-78"/>
+              </a:rPr>
+              <a:t>8</a:t>
+            </a:r>
+            <a:endParaRPr lang="en-US" b="1" dirty="0">
+              <a:solidFill>
+                <a:schemeClr val="tx1">
+                  <a:lumMod val="75000"/>
+                  <a:lumOff val="25000"/>
+                </a:schemeClr>
+              </a:solidFill>
+              <a:latin typeface="Arabic Typesetting" panose="03020402040406030203" pitchFamily="66" charset="-78"/>
+              <a:cs typeface="Arabic Typesetting" panose="03020402040406030203" pitchFamily="66" charset="-78"/>
+            </a:endParaRPr>
+          </a:p>
+        </p:txBody>
+      </p:sp>
     </p:spTree>
     <p:extLst>
       <p:ext uri="{BB962C8B-B14F-4D97-AF65-F5344CB8AC3E}">
